--- a/작업한 내용/기차 예매 프로그램 주차 발표.pptx
+++ b/작업한 내용/기차 예매 프로그램 주차 발표.pptx
@@ -20,7 +20,21 @@
     <p:sldId id="271" r:id="rId14"/>
     <p:sldId id="269" r:id="rId15"/>
     <p:sldId id="270" r:id="rId16"/>
-    <p:sldId id="265" r:id="rId17"/>
+    <p:sldId id="272" r:id="rId17"/>
+    <p:sldId id="275" r:id="rId18"/>
+    <p:sldId id="282" r:id="rId19"/>
+    <p:sldId id="280" r:id="rId20"/>
+    <p:sldId id="281" r:id="rId21"/>
+    <p:sldId id="273" r:id="rId22"/>
+    <p:sldId id="279" r:id="rId23"/>
+    <p:sldId id="283" r:id="rId24"/>
+    <p:sldId id="284" r:id="rId25"/>
+    <p:sldId id="274" r:id="rId26"/>
+    <p:sldId id="276" r:id="rId27"/>
+    <p:sldId id="277" r:id="rId28"/>
+    <p:sldId id="278" r:id="rId29"/>
+    <p:sldId id="265" r:id="rId30"/>
+    <p:sldId id="285" r:id="rId31"/>
   </p:sldIdLst>
   <p:sldSz cx="12192000" cy="6858000"/>
   <p:notesSz cx="9926638" cy="6797675"/>
@@ -309,7 +323,7 @@
           <a:p>
             <a:fld id="{48A87A34-81AB-432B-8DAE-1953F412C126}" type="datetimeFigureOut">
               <a:rPr lang="en-US" smtClean="0"/>
-              <a:t>11/26/2020</a:t>
+              <a:t>12/6/2020</a:t>
             </a:fld>
             <a:endParaRPr lang="en-US" dirty="0"/>
           </a:p>
@@ -576,7 +590,7 @@
           <a:p>
             <a:fld id="{48A87A34-81AB-432B-8DAE-1953F412C126}" type="datetimeFigureOut">
               <a:rPr lang="en-US" smtClean="0"/>
-              <a:t>11/26/2020</a:t>
+              <a:t>12/6/2020</a:t>
             </a:fld>
             <a:endParaRPr lang="en-US" dirty="0"/>
           </a:p>
@@ -808,7 +822,7 @@
             <a:fld id="{48A87A34-81AB-432B-8DAE-1953F412C126}" type="datetimeFigureOut">
               <a:rPr lang="en-US" smtClean="0"/>
               <a:pPr/>
-              <a:t>11/26/2020</a:t>
+              <a:t>12/6/2020</a:t>
             </a:fld>
             <a:endParaRPr lang="en-US" dirty="0"/>
           </a:p>
@@ -1119,7 +1133,7 @@
             <a:fld id="{48A87A34-81AB-432B-8DAE-1953F412C126}" type="datetimeFigureOut">
               <a:rPr lang="en-US" smtClean="0"/>
               <a:pPr/>
-              <a:t>11/26/2020</a:t>
+              <a:t>12/6/2020</a:t>
             </a:fld>
             <a:endParaRPr lang="en-US" dirty="0"/>
           </a:p>
@@ -1593,7 +1607,7 @@
             <a:fld id="{48A87A34-81AB-432B-8DAE-1953F412C126}" type="datetimeFigureOut">
               <a:rPr lang="en-US" smtClean="0"/>
               <a:pPr/>
-              <a:t>11/26/2020</a:t>
+              <a:t>12/6/2020</a:t>
             </a:fld>
             <a:endParaRPr lang="en-US" dirty="0"/>
           </a:p>
@@ -2140,7 +2154,7 @@
           <a:p>
             <a:fld id="{48A87A34-81AB-432B-8DAE-1953F412C126}" type="datetimeFigureOut">
               <a:rPr lang="en-US" smtClean="0"/>
-              <a:t>11/26/2020</a:t>
+              <a:t>12/6/2020</a:t>
             </a:fld>
             <a:endParaRPr lang="en-US" dirty="0"/>
           </a:p>
@@ -2914,7 +2928,7 @@
           <a:p>
             <a:fld id="{48A87A34-81AB-432B-8DAE-1953F412C126}" type="datetimeFigureOut">
               <a:rPr lang="en-US" smtClean="0"/>
-              <a:t>11/26/2020</a:t>
+              <a:t>12/6/2020</a:t>
             </a:fld>
             <a:endParaRPr lang="en-US" dirty="0"/>
           </a:p>
@@ -3089,7 +3103,7 @@
           <a:p>
             <a:fld id="{48A87A34-81AB-432B-8DAE-1953F412C126}" type="datetimeFigureOut">
               <a:rPr lang="en-US" smtClean="0"/>
-              <a:t>11/26/2020</a:t>
+              <a:t>12/6/2020</a:t>
             </a:fld>
             <a:endParaRPr lang="en-US" dirty="0"/>
           </a:p>
@@ -3313,7 +3327,7 @@
             <a:fld id="{48A87A34-81AB-432B-8DAE-1953F412C126}" type="datetimeFigureOut">
               <a:rPr lang="en-US" smtClean="0"/>
               <a:pPr/>
-              <a:t>11/26/2020</a:t>
+              <a:t>12/6/2020</a:t>
             </a:fld>
             <a:endParaRPr lang="en-US" dirty="0"/>
           </a:p>
@@ -3493,7 +3507,7 @@
           <a:p>
             <a:fld id="{48A87A34-81AB-432B-8DAE-1953F412C126}" type="datetimeFigureOut">
               <a:rPr lang="en-US" smtClean="0"/>
-              <a:t>11/26/2020</a:t>
+              <a:t>12/6/2020</a:t>
             </a:fld>
             <a:endParaRPr lang="en-US" dirty="0"/>
           </a:p>
@@ -3783,7 +3797,7 @@
             <a:fld id="{48A87A34-81AB-432B-8DAE-1953F412C126}" type="datetimeFigureOut">
               <a:rPr lang="en-US" smtClean="0"/>
               <a:pPr/>
-              <a:t>11/26/2020</a:t>
+              <a:t>12/6/2020</a:t>
             </a:fld>
             <a:endParaRPr lang="en-US" dirty="0"/>
           </a:p>
@@ -4025,7 +4039,7 @@
           <a:p>
             <a:fld id="{48A87A34-81AB-432B-8DAE-1953F412C126}" type="datetimeFigureOut">
               <a:rPr lang="en-US" smtClean="0"/>
-              <a:t>11/26/2020</a:t>
+              <a:t>12/6/2020</a:t>
             </a:fld>
             <a:endParaRPr lang="en-US" dirty="0"/>
           </a:p>
@@ -4404,7 +4418,7 @@
           <a:p>
             <a:fld id="{48A87A34-81AB-432B-8DAE-1953F412C126}" type="datetimeFigureOut">
               <a:rPr lang="en-US" smtClean="0"/>
-              <a:t>11/26/2020</a:t>
+              <a:t>12/6/2020</a:t>
             </a:fld>
             <a:endParaRPr lang="en-US" dirty="0"/>
           </a:p>
@@ -4522,7 +4536,7 @@
           <a:p>
             <a:fld id="{48A87A34-81AB-432B-8DAE-1953F412C126}" type="datetimeFigureOut">
               <a:rPr lang="en-US" smtClean="0"/>
-              <a:t>11/26/2020</a:t>
+              <a:t>12/6/2020</a:t>
             </a:fld>
             <a:endParaRPr lang="en-US" dirty="0"/>
           </a:p>
@@ -4617,7 +4631,7 @@
           <a:p>
             <a:fld id="{48A87A34-81AB-432B-8DAE-1953F412C126}" type="datetimeFigureOut">
               <a:rPr lang="en-US" smtClean="0"/>
-              <a:t>11/26/2020</a:t>
+              <a:t>12/6/2020</a:t>
             </a:fld>
             <a:endParaRPr lang="en-US" dirty="0"/>
           </a:p>
@@ -4866,7 +4880,7 @@
           <a:p>
             <a:fld id="{48A87A34-81AB-432B-8DAE-1953F412C126}" type="datetimeFigureOut">
               <a:rPr lang="en-US" smtClean="0"/>
-              <a:t>11/26/2020</a:t>
+              <a:t>12/6/2020</a:t>
             </a:fld>
             <a:endParaRPr lang="en-US" dirty="0"/>
           </a:p>
@@ -5123,7 +5137,7 @@
           <a:p>
             <a:fld id="{48A87A34-81AB-432B-8DAE-1953F412C126}" type="datetimeFigureOut">
               <a:rPr lang="en-US" smtClean="0"/>
-              <a:t>11/26/2020</a:t>
+              <a:t>12/6/2020</a:t>
             </a:fld>
             <a:endParaRPr lang="en-US" dirty="0"/>
           </a:p>
@@ -5367,7 +5381,7 @@
             <a:fld id="{48A87A34-81AB-432B-8DAE-1953F412C126}" type="datetimeFigureOut">
               <a:rPr lang="en-US" smtClean="0"/>
               <a:pPr/>
-              <a:t>11/26/2020</a:t>
+              <a:t>12/6/2020</a:t>
             </a:fld>
             <a:endParaRPr lang="en-US" dirty="0"/>
           </a:p>
@@ -5842,7 +5856,7 @@
                 <a:latin typeface="나눔스퀘어" panose="020B0600000101010101" pitchFamily="50" charset="-127"/>
                 <a:ea typeface="나눔스퀘어" panose="020B0600000101010101" pitchFamily="50" charset="-127"/>
               </a:rPr>
-              <a:t>2020.11.27</a:t>
+              <a:t>2020.12.07</a:t>
             </a:r>
           </a:p>
           <a:p>
@@ -7114,6 +7128,3519 @@
           <p:cNvPr id="2" name="제목 1">
             <a:extLst>
               <a:ext uri="{FF2B5EF4-FFF2-40B4-BE49-F238E27FC236}">
+                <a16:creationId xmlns:a16="http://schemas.microsoft.com/office/drawing/2014/main" id="{D40C6CE3-F724-47F8-89B5-E4B379394AB1}"/>
+              </a:ext>
+            </a:extLst>
+          </p:cNvPr>
+          <p:cNvSpPr>
+            <a:spLocks noGrp="1"/>
+          </p:cNvSpPr>
+          <p:nvPr>
+            <p:ph type="ctrTitle"/>
+          </p:nvPr>
+        </p:nvSpPr>
+        <p:spPr/>
+        <p:txBody>
+          <a:bodyPr>
+            <a:normAutofit/>
+          </a:bodyPr>
+          <a:lstStyle/>
+          <a:p>
+            <a:r>
+              <a:rPr lang="en-US" altLang="ko-KR" sz="5400" dirty="0"/>
+              <a:t>3 </a:t>
+            </a:r>
+            <a:r>
+              <a:rPr lang="ko-KR" altLang="en-US" sz="5400" dirty="0"/>
+              <a:t>주차</a:t>
+            </a:r>
+          </a:p>
+        </p:txBody>
+      </p:sp>
+      <p:sp>
+        <p:nvSpPr>
+          <p:cNvPr id="3" name="부제목 2">
+            <a:extLst>
+              <a:ext uri="{FF2B5EF4-FFF2-40B4-BE49-F238E27FC236}">
+                <a16:creationId xmlns:a16="http://schemas.microsoft.com/office/drawing/2014/main" id="{E008D253-F6DC-4039-A6A5-957CF1CA268C}"/>
+              </a:ext>
+            </a:extLst>
+          </p:cNvPr>
+          <p:cNvSpPr>
+            <a:spLocks noGrp="1"/>
+          </p:cNvSpPr>
+          <p:nvPr>
+            <p:ph type="subTitle" idx="1"/>
+          </p:nvPr>
+        </p:nvSpPr>
+        <p:spPr>
+          <a:xfrm>
+            <a:off x="2213263" y="3803073"/>
+            <a:ext cx="9227921" cy="1498768"/>
+          </a:xfrm>
+        </p:spPr>
+        <p:txBody>
+          <a:bodyPr>
+            <a:normAutofit/>
+          </a:bodyPr>
+          <a:lstStyle/>
+          <a:p>
+            <a:endParaRPr lang="en-US" altLang="ko-KR" dirty="0">
+              <a:latin typeface="나눔스퀘어" panose="020B0600000101010101" pitchFamily="50" charset="-127"/>
+              <a:ea typeface="나눔스퀘어" panose="020B0600000101010101" pitchFamily="50" charset="-127"/>
+            </a:endParaRPr>
+          </a:p>
+        </p:txBody>
+      </p:sp>
+    </p:spTree>
+    <p:extLst>
+      <p:ext uri="{BB962C8B-B14F-4D97-AF65-F5344CB8AC3E}">
+        <p14:creationId xmlns:p14="http://schemas.microsoft.com/office/powerpoint/2010/main" val="3132681832"/>
+      </p:ext>
+    </p:extLst>
+  </p:cSld>
+  <p:clrMapOvr>
+    <a:masterClrMapping/>
+  </p:clrMapOvr>
+</p:sld>
+</file>
+
+<file path=ppt/slides/slide17.xml><?xml version="1.0" encoding="utf-8"?>
+<p:sld xmlns:a="http://schemas.openxmlformats.org/drawingml/2006/main" xmlns:r="http://schemas.openxmlformats.org/officeDocument/2006/relationships" xmlns:p="http://schemas.openxmlformats.org/presentationml/2006/main">
+  <p:cSld>
+    <p:spTree>
+      <p:nvGrpSpPr>
+        <p:cNvPr id="1" name=""/>
+        <p:cNvGrpSpPr/>
+        <p:nvPr/>
+      </p:nvGrpSpPr>
+      <p:grpSpPr>
+        <a:xfrm>
+          <a:off x="0" y="0"/>
+          <a:ext cx="0" cy="0"/>
+          <a:chOff x="0" y="0"/>
+          <a:chExt cx="0" cy="0"/>
+        </a:xfrm>
+      </p:grpSpPr>
+      <p:pic>
+        <p:nvPicPr>
+          <p:cNvPr id="5" name="그림 4">
+            <a:extLst>
+              <a:ext uri="{FF2B5EF4-FFF2-40B4-BE49-F238E27FC236}">
+                <a16:creationId xmlns:a16="http://schemas.microsoft.com/office/drawing/2014/main" id="{20FC89BD-FC64-4183-82C2-7864327F5205}"/>
+              </a:ext>
+            </a:extLst>
+          </p:cNvPr>
+          <p:cNvPicPr>
+            <a:picLocks noChangeAspect="1"/>
+          </p:cNvPicPr>
+          <p:nvPr/>
+        </p:nvPicPr>
+        <p:blipFill>
+          <a:blip r:embed="rId2"/>
+          <a:stretch>
+            <a:fillRect/>
+          </a:stretch>
+        </p:blipFill>
+        <p:spPr>
+          <a:xfrm>
+            <a:off x="6096000" y="2852875"/>
+            <a:ext cx="5101293" cy="3585391"/>
+          </a:xfrm>
+          <a:prstGeom prst="rect">
+            <a:avLst/>
+          </a:prstGeom>
+          <a:ln w="12700">
+            <a:solidFill>
+              <a:schemeClr val="tx1"/>
+            </a:solidFill>
+          </a:ln>
+        </p:spPr>
+      </p:pic>
+      <p:sp>
+        <p:nvSpPr>
+          <p:cNvPr id="9" name="말풍선: 사각형 8">
+            <a:extLst>
+              <a:ext uri="{FF2B5EF4-FFF2-40B4-BE49-F238E27FC236}">
+                <a16:creationId xmlns:a16="http://schemas.microsoft.com/office/drawing/2014/main" id="{A541F514-13DD-4C6D-BB1D-52CAA4B3BF03}"/>
+              </a:ext>
+            </a:extLst>
+          </p:cNvPr>
+          <p:cNvSpPr/>
+          <p:nvPr/>
+        </p:nvSpPr>
+        <p:spPr>
+          <a:xfrm>
+            <a:off x="1702965" y="3280095"/>
+            <a:ext cx="3573710" cy="2684477"/>
+          </a:xfrm>
+          <a:prstGeom prst="wedgeRectCallout">
+            <a:avLst>
+              <a:gd name="adj1" fmla="val 79636"/>
+              <a:gd name="adj2" fmla="val -44375"/>
+            </a:avLst>
+          </a:prstGeom>
+          <a:solidFill>
+            <a:schemeClr val="bg1"/>
+          </a:solidFill>
+          <a:ln w="28575">
+            <a:solidFill>
+              <a:schemeClr val="tx1"/>
+            </a:solidFill>
+          </a:ln>
+        </p:spPr>
+        <p:style>
+          <a:lnRef idx="2">
+            <a:schemeClr val="accent1">
+              <a:shade val="50000"/>
+            </a:schemeClr>
+          </a:lnRef>
+          <a:fillRef idx="1">
+            <a:schemeClr val="accent1"/>
+          </a:fillRef>
+          <a:effectRef idx="0">
+            <a:schemeClr val="accent1"/>
+          </a:effectRef>
+          <a:fontRef idx="minor">
+            <a:schemeClr val="lt1"/>
+          </a:fontRef>
+        </p:style>
+        <p:txBody>
+          <a:bodyPr rtlCol="0" anchor="ctr"/>
+          <a:lstStyle/>
+          <a:p>
+            <a:pPr algn="ctr"/>
+            <a:endParaRPr lang="ko-KR" altLang="en-US"/>
+          </a:p>
+        </p:txBody>
+      </p:sp>
+      <p:sp>
+        <p:nvSpPr>
+          <p:cNvPr id="2" name="제목 1">
+            <a:extLst>
+              <a:ext uri="{FF2B5EF4-FFF2-40B4-BE49-F238E27FC236}">
+                <a16:creationId xmlns:a16="http://schemas.microsoft.com/office/drawing/2014/main" id="{36E46BD5-9BF8-4A36-B399-C907B8D17343}"/>
+              </a:ext>
+            </a:extLst>
+          </p:cNvPr>
+          <p:cNvSpPr>
+            <a:spLocks noGrp="1"/>
+          </p:cNvSpPr>
+          <p:nvPr>
+            <p:ph type="title"/>
+          </p:nvPr>
+        </p:nvSpPr>
+        <p:spPr/>
+        <p:txBody>
+          <a:bodyPr>
+            <a:normAutofit/>
+          </a:bodyPr>
+          <a:lstStyle/>
+          <a:p>
+            <a:r>
+              <a:rPr lang="ko-KR" altLang="en-US" sz="4400" dirty="0">
+                <a:latin typeface="나눔스퀘어" panose="020B0600000101010101" pitchFamily="50" charset="-127"/>
+                <a:ea typeface="나눔스퀘어" panose="020B0600000101010101" pitchFamily="50" charset="-127"/>
+              </a:rPr>
+              <a:t>진행 상황</a:t>
+            </a:r>
+          </a:p>
+        </p:txBody>
+      </p:sp>
+      <p:sp>
+        <p:nvSpPr>
+          <p:cNvPr id="3" name="내용 개체 틀 2">
+            <a:extLst>
+              <a:ext uri="{FF2B5EF4-FFF2-40B4-BE49-F238E27FC236}">
+                <a16:creationId xmlns:a16="http://schemas.microsoft.com/office/drawing/2014/main" id="{CE680D33-7DE6-430A-91B0-F2A3DC91933B}"/>
+              </a:ext>
+            </a:extLst>
+          </p:cNvPr>
+          <p:cNvSpPr>
+            <a:spLocks noGrp="1"/>
+          </p:cNvSpPr>
+          <p:nvPr>
+            <p:ph idx="1"/>
+          </p:nvPr>
+        </p:nvSpPr>
+        <p:spPr/>
+        <p:txBody>
+          <a:bodyPr/>
+          <a:lstStyle/>
+          <a:p>
+            <a:pPr>
+              <a:buFont typeface="Wingdings" panose="05000000000000000000" pitchFamily="2" charset="2"/>
+              <a:buChar char="v"/>
+            </a:pPr>
+            <a:r>
+              <a:rPr lang="en-US" altLang="ko-KR" sz="2400" dirty="0">
+                <a:latin typeface="나눔스퀘어" panose="020B0600000101010101" pitchFamily="50" charset="-127"/>
+                <a:ea typeface="나눔스퀘어" panose="020B0600000101010101" pitchFamily="50" charset="-127"/>
+              </a:rPr>
+              <a:t> </a:t>
+            </a:r>
+            <a:r>
+              <a:rPr lang="ko-KR" altLang="en-US" sz="2400" dirty="0">
+                <a:latin typeface="나눔스퀘어" panose="020B0600000101010101" pitchFamily="50" charset="-127"/>
+                <a:ea typeface="나눔스퀘어" panose="020B0600000101010101" pitchFamily="50" charset="-127"/>
+              </a:rPr>
+              <a:t>로그아웃</a:t>
+            </a:r>
+            <a:endParaRPr lang="en-US" altLang="ko-KR" sz="2400" dirty="0">
+              <a:latin typeface="나눔스퀘어" panose="020B0600000101010101" pitchFamily="50" charset="-127"/>
+              <a:ea typeface="나눔스퀘어" panose="020B0600000101010101" pitchFamily="50" charset="-127"/>
+            </a:endParaRPr>
+          </a:p>
+          <a:p>
+            <a:pPr lvl="1">
+              <a:buFont typeface="Wingdings" panose="05000000000000000000" pitchFamily="2" charset="2"/>
+              <a:buChar char="Ø"/>
+            </a:pPr>
+            <a:r>
+              <a:rPr lang="en-US" altLang="ko-KR" sz="1800" dirty="0">
+                <a:latin typeface="나눔스퀘어" panose="020B0600000101010101" pitchFamily="50" charset="-127"/>
+                <a:ea typeface="나눔스퀘어" panose="020B0600000101010101" pitchFamily="50" charset="-127"/>
+              </a:rPr>
+              <a:t> </a:t>
+            </a:r>
+            <a:r>
+              <a:rPr lang="ko-KR" altLang="en-US" sz="1800" dirty="0">
+                <a:latin typeface="나눔스퀘어" panose="020B0600000101010101" pitchFamily="50" charset="-127"/>
+                <a:ea typeface="나눔스퀘어" panose="020B0600000101010101" pitchFamily="50" charset="-127"/>
+              </a:rPr>
+              <a:t>로그인 화면으로 복귀</a:t>
+            </a:r>
+            <a:endParaRPr lang="en-US" altLang="ko-KR" sz="1600" dirty="0">
+              <a:latin typeface="나눔스퀘어" panose="020B0600000101010101" pitchFamily="50" charset="-127"/>
+              <a:ea typeface="나눔스퀘어" panose="020B0600000101010101" pitchFamily="50" charset="-127"/>
+            </a:endParaRPr>
+          </a:p>
+        </p:txBody>
+      </p:sp>
+      <p:pic>
+        <p:nvPicPr>
+          <p:cNvPr id="8" name="그림 7">
+            <a:extLst>
+              <a:ext uri="{FF2B5EF4-FFF2-40B4-BE49-F238E27FC236}">
+                <a16:creationId xmlns:a16="http://schemas.microsoft.com/office/drawing/2014/main" id="{BBE2FAB1-F3D1-4393-8F0E-9E0C9B009948}"/>
+              </a:ext>
+            </a:extLst>
+          </p:cNvPr>
+          <p:cNvPicPr>
+            <a:picLocks noChangeAspect="1"/>
+          </p:cNvPicPr>
+          <p:nvPr/>
+        </p:nvPicPr>
+        <p:blipFill>
+          <a:blip r:embed="rId3"/>
+          <a:stretch>
+            <a:fillRect/>
+          </a:stretch>
+        </p:blipFill>
+        <p:spPr>
+          <a:xfrm>
+            <a:off x="1853135" y="3418687"/>
+            <a:ext cx="3286125" cy="2400300"/>
+          </a:xfrm>
+          <a:prstGeom prst="rect">
+            <a:avLst/>
+          </a:prstGeom>
+          <a:ln w="12700">
+            <a:solidFill>
+              <a:schemeClr val="tx1"/>
+            </a:solidFill>
+          </a:ln>
+        </p:spPr>
+      </p:pic>
+    </p:spTree>
+    <p:extLst>
+      <p:ext uri="{BB962C8B-B14F-4D97-AF65-F5344CB8AC3E}">
+        <p14:creationId xmlns:p14="http://schemas.microsoft.com/office/powerpoint/2010/main" val="3993310741"/>
+      </p:ext>
+    </p:extLst>
+  </p:cSld>
+  <p:clrMapOvr>
+    <a:masterClrMapping/>
+  </p:clrMapOvr>
+</p:sld>
+</file>
+
+<file path=ppt/slides/slide18.xml><?xml version="1.0" encoding="utf-8"?>
+<p:sld xmlns:a="http://schemas.openxmlformats.org/drawingml/2006/main" xmlns:r="http://schemas.openxmlformats.org/officeDocument/2006/relationships" xmlns:p="http://schemas.openxmlformats.org/presentationml/2006/main">
+  <p:cSld>
+    <p:spTree>
+      <p:nvGrpSpPr>
+        <p:cNvPr id="1" name=""/>
+        <p:cNvGrpSpPr/>
+        <p:nvPr/>
+      </p:nvGrpSpPr>
+      <p:grpSpPr>
+        <a:xfrm>
+          <a:off x="0" y="0"/>
+          <a:ext cx="0" cy="0"/>
+          <a:chOff x="0" y="0"/>
+          <a:chExt cx="0" cy="0"/>
+        </a:xfrm>
+      </p:grpSpPr>
+      <p:pic>
+        <p:nvPicPr>
+          <p:cNvPr id="7" name="그림 6">
+            <a:extLst>
+              <a:ext uri="{FF2B5EF4-FFF2-40B4-BE49-F238E27FC236}">
+                <a16:creationId xmlns:a16="http://schemas.microsoft.com/office/drawing/2014/main" id="{8F972781-07DA-4E9F-8230-43766EB0A859}"/>
+              </a:ext>
+            </a:extLst>
+          </p:cNvPr>
+          <p:cNvPicPr>
+            <a:picLocks noChangeAspect="1"/>
+          </p:cNvPicPr>
+          <p:nvPr/>
+        </p:nvPicPr>
+        <p:blipFill>
+          <a:blip r:embed="rId2"/>
+          <a:stretch>
+            <a:fillRect/>
+          </a:stretch>
+        </p:blipFill>
+        <p:spPr>
+          <a:xfrm>
+            <a:off x="816387" y="3140764"/>
+            <a:ext cx="4574414" cy="3215080"/>
+          </a:xfrm>
+          <a:prstGeom prst="rect">
+            <a:avLst/>
+          </a:prstGeom>
+          <a:ln w="12700">
+            <a:solidFill>
+              <a:schemeClr val="tx1"/>
+            </a:solidFill>
+          </a:ln>
+        </p:spPr>
+      </p:pic>
+      <p:sp>
+        <p:nvSpPr>
+          <p:cNvPr id="2" name="제목 1">
+            <a:extLst>
+              <a:ext uri="{FF2B5EF4-FFF2-40B4-BE49-F238E27FC236}">
+                <a16:creationId xmlns:a16="http://schemas.microsoft.com/office/drawing/2014/main" id="{36E46BD5-9BF8-4A36-B399-C907B8D17343}"/>
+              </a:ext>
+            </a:extLst>
+          </p:cNvPr>
+          <p:cNvSpPr>
+            <a:spLocks noGrp="1"/>
+          </p:cNvSpPr>
+          <p:nvPr>
+            <p:ph type="title"/>
+          </p:nvPr>
+        </p:nvSpPr>
+        <p:spPr/>
+        <p:txBody>
+          <a:bodyPr>
+            <a:normAutofit/>
+          </a:bodyPr>
+          <a:lstStyle/>
+          <a:p>
+            <a:r>
+              <a:rPr lang="ko-KR" altLang="en-US" sz="4400" dirty="0">
+                <a:latin typeface="나눔스퀘어" panose="020B0600000101010101" pitchFamily="50" charset="-127"/>
+                <a:ea typeface="나눔스퀘어" panose="020B0600000101010101" pitchFamily="50" charset="-127"/>
+              </a:rPr>
+              <a:t>진행 상황</a:t>
+            </a:r>
+          </a:p>
+        </p:txBody>
+      </p:sp>
+      <p:sp>
+        <p:nvSpPr>
+          <p:cNvPr id="3" name="내용 개체 틀 2">
+            <a:extLst>
+              <a:ext uri="{FF2B5EF4-FFF2-40B4-BE49-F238E27FC236}">
+                <a16:creationId xmlns:a16="http://schemas.microsoft.com/office/drawing/2014/main" id="{CE680D33-7DE6-430A-91B0-F2A3DC91933B}"/>
+              </a:ext>
+            </a:extLst>
+          </p:cNvPr>
+          <p:cNvSpPr>
+            <a:spLocks noGrp="1"/>
+          </p:cNvSpPr>
+          <p:nvPr>
+            <p:ph idx="1"/>
+          </p:nvPr>
+        </p:nvSpPr>
+        <p:spPr/>
+        <p:txBody>
+          <a:bodyPr/>
+          <a:lstStyle/>
+          <a:p>
+            <a:pPr>
+              <a:buFont typeface="Wingdings" panose="05000000000000000000" pitchFamily="2" charset="2"/>
+              <a:buChar char="v"/>
+            </a:pPr>
+            <a:r>
+              <a:rPr lang="en-US" altLang="ko-KR" sz="2400" dirty="0">
+                <a:latin typeface="나눔스퀘어" panose="020B0600000101010101" pitchFamily="50" charset="-127"/>
+                <a:ea typeface="나눔스퀘어" panose="020B0600000101010101" pitchFamily="50" charset="-127"/>
+              </a:rPr>
+              <a:t> </a:t>
+            </a:r>
+            <a:r>
+              <a:rPr lang="ko-KR" altLang="en-US" sz="2400" dirty="0">
+                <a:latin typeface="나눔스퀘어" panose="020B0600000101010101" pitchFamily="50" charset="-127"/>
+                <a:ea typeface="나눔스퀘어" panose="020B0600000101010101" pitchFamily="50" charset="-127"/>
+              </a:rPr>
+              <a:t>승차권 예매 </a:t>
+            </a:r>
+            <a:r>
+              <a:rPr lang="en-US" altLang="ko-KR" sz="2400" dirty="0">
+                <a:latin typeface="나눔스퀘어" panose="020B0600000101010101" pitchFamily="50" charset="-127"/>
+                <a:ea typeface="나눔스퀘어" panose="020B0600000101010101" pitchFamily="50" charset="-127"/>
+              </a:rPr>
+              <a:t>UI </a:t>
+            </a:r>
+            <a:r>
+              <a:rPr lang="ko-KR" altLang="en-US" sz="2400" dirty="0">
+                <a:latin typeface="나눔스퀘어" panose="020B0600000101010101" pitchFamily="50" charset="-127"/>
+                <a:ea typeface="나눔스퀘어" panose="020B0600000101010101" pitchFamily="50" charset="-127"/>
+              </a:rPr>
+              <a:t>수정</a:t>
+            </a:r>
+            <a:endParaRPr lang="en-US" altLang="ko-KR" sz="2400" dirty="0">
+              <a:latin typeface="나눔스퀘어" panose="020B0600000101010101" pitchFamily="50" charset="-127"/>
+              <a:ea typeface="나눔스퀘어" panose="020B0600000101010101" pitchFamily="50" charset="-127"/>
+            </a:endParaRPr>
+          </a:p>
+          <a:p>
+            <a:pPr lvl="1">
+              <a:buFont typeface="Wingdings" panose="05000000000000000000" pitchFamily="2" charset="2"/>
+              <a:buChar char="Ø"/>
+            </a:pPr>
+            <a:r>
+              <a:rPr lang="en-US" altLang="ko-KR" sz="1800" dirty="0">
+                <a:latin typeface="나눔스퀘어" panose="020B0600000101010101" pitchFamily="50" charset="-127"/>
+                <a:ea typeface="나눔스퀘어" panose="020B0600000101010101" pitchFamily="50" charset="-127"/>
+              </a:rPr>
+              <a:t> JTabbedPane </a:t>
+            </a:r>
+            <a:r>
+              <a:rPr lang="ko-KR" altLang="en-US" sz="1800" dirty="0">
+                <a:latin typeface="나눔스퀘어" panose="020B0600000101010101" pitchFamily="50" charset="-127"/>
+                <a:ea typeface="나눔스퀘어" panose="020B0600000101010101" pitchFamily="50" charset="-127"/>
+              </a:rPr>
+              <a:t>→ </a:t>
+            </a:r>
+            <a:r>
+              <a:rPr lang="en-US" altLang="ko-KR" sz="1800" dirty="0">
+                <a:latin typeface="나눔스퀘어" panose="020B0600000101010101" pitchFamily="50" charset="-127"/>
+                <a:ea typeface="나눔스퀘어" panose="020B0600000101010101" pitchFamily="50" charset="-127"/>
+              </a:rPr>
+              <a:t>JLayeredPane</a:t>
+            </a:r>
+            <a:endParaRPr lang="en-US" altLang="ko-KR" sz="2200" dirty="0">
+              <a:latin typeface="나눔스퀘어" panose="020B0600000101010101" pitchFamily="50" charset="-127"/>
+              <a:ea typeface="나눔스퀘어" panose="020B0600000101010101" pitchFamily="50" charset="-127"/>
+            </a:endParaRPr>
+          </a:p>
+        </p:txBody>
+      </p:sp>
+      <p:pic>
+        <p:nvPicPr>
+          <p:cNvPr id="5" name="그림 4">
+            <a:extLst>
+              <a:ext uri="{FF2B5EF4-FFF2-40B4-BE49-F238E27FC236}">
+                <a16:creationId xmlns:a16="http://schemas.microsoft.com/office/drawing/2014/main" id="{0AB1B388-DA7C-4CCC-865F-85B9FBA7112D}"/>
+              </a:ext>
+            </a:extLst>
+          </p:cNvPr>
+          <p:cNvPicPr>
+            <a:picLocks noChangeAspect="1"/>
+          </p:cNvPicPr>
+          <p:nvPr/>
+        </p:nvPicPr>
+        <p:blipFill>
+          <a:blip r:embed="rId3"/>
+          <a:stretch>
+            <a:fillRect/>
+          </a:stretch>
+        </p:blipFill>
+        <p:spPr>
+          <a:xfrm>
+            <a:off x="6801201" y="3140764"/>
+            <a:ext cx="4574413" cy="3215079"/>
+          </a:xfrm>
+          <a:prstGeom prst="rect">
+            <a:avLst/>
+          </a:prstGeom>
+          <a:ln w="12700">
+            <a:solidFill>
+              <a:schemeClr val="tx1"/>
+            </a:solidFill>
+          </a:ln>
+        </p:spPr>
+      </p:pic>
+      <p:sp>
+        <p:nvSpPr>
+          <p:cNvPr id="6" name="화살표: 오른쪽 5">
+            <a:extLst>
+              <a:ext uri="{FF2B5EF4-FFF2-40B4-BE49-F238E27FC236}">
+                <a16:creationId xmlns:a16="http://schemas.microsoft.com/office/drawing/2014/main" id="{324B4EFF-41AE-4ED8-BCFA-28C14F7A9C70}"/>
+              </a:ext>
+            </a:extLst>
+          </p:cNvPr>
+          <p:cNvSpPr/>
+          <p:nvPr/>
+        </p:nvSpPr>
+        <p:spPr>
+          <a:xfrm>
+            <a:off x="5738069" y="4511085"/>
+            <a:ext cx="771787" cy="474435"/>
+          </a:xfrm>
+          <a:prstGeom prst="rightArrow">
+            <a:avLst/>
+          </a:prstGeom>
+        </p:spPr>
+        <p:style>
+          <a:lnRef idx="2">
+            <a:schemeClr val="accent1">
+              <a:shade val="50000"/>
+            </a:schemeClr>
+          </a:lnRef>
+          <a:fillRef idx="1">
+            <a:schemeClr val="accent1"/>
+          </a:fillRef>
+          <a:effectRef idx="0">
+            <a:schemeClr val="accent1"/>
+          </a:effectRef>
+          <a:fontRef idx="minor">
+            <a:schemeClr val="lt1"/>
+          </a:fontRef>
+        </p:style>
+        <p:txBody>
+          <a:bodyPr rtlCol="0" anchor="ctr"/>
+          <a:lstStyle/>
+          <a:p>
+            <a:pPr algn="ctr"/>
+            <a:endParaRPr lang="ko-KR" altLang="en-US"/>
+          </a:p>
+        </p:txBody>
+      </p:sp>
+    </p:spTree>
+    <p:extLst>
+      <p:ext uri="{BB962C8B-B14F-4D97-AF65-F5344CB8AC3E}">
+        <p14:creationId xmlns:p14="http://schemas.microsoft.com/office/powerpoint/2010/main" val="962268408"/>
+      </p:ext>
+    </p:extLst>
+  </p:cSld>
+  <p:clrMapOvr>
+    <a:masterClrMapping/>
+  </p:clrMapOvr>
+</p:sld>
+</file>
+
+<file path=ppt/slides/slide19.xml><?xml version="1.0" encoding="utf-8"?>
+<p:sld xmlns:a="http://schemas.openxmlformats.org/drawingml/2006/main" xmlns:r="http://schemas.openxmlformats.org/officeDocument/2006/relationships" xmlns:p="http://schemas.openxmlformats.org/presentationml/2006/main">
+  <p:cSld>
+    <p:spTree>
+      <p:nvGrpSpPr>
+        <p:cNvPr id="1" name=""/>
+        <p:cNvGrpSpPr/>
+        <p:nvPr/>
+      </p:nvGrpSpPr>
+      <p:grpSpPr>
+        <a:xfrm>
+          <a:off x="0" y="0"/>
+          <a:ext cx="0" cy="0"/>
+          <a:chOff x="0" y="0"/>
+          <a:chExt cx="0" cy="0"/>
+        </a:xfrm>
+      </p:grpSpPr>
+      <p:sp>
+        <p:nvSpPr>
+          <p:cNvPr id="2" name="제목 1">
+            <a:extLst>
+              <a:ext uri="{FF2B5EF4-FFF2-40B4-BE49-F238E27FC236}">
+                <a16:creationId xmlns:a16="http://schemas.microsoft.com/office/drawing/2014/main" id="{36E46BD5-9BF8-4A36-B399-C907B8D17343}"/>
+              </a:ext>
+            </a:extLst>
+          </p:cNvPr>
+          <p:cNvSpPr>
+            <a:spLocks noGrp="1"/>
+          </p:cNvSpPr>
+          <p:nvPr>
+            <p:ph type="title"/>
+          </p:nvPr>
+        </p:nvSpPr>
+        <p:spPr/>
+        <p:txBody>
+          <a:bodyPr>
+            <a:normAutofit/>
+          </a:bodyPr>
+          <a:lstStyle/>
+          <a:p>
+            <a:r>
+              <a:rPr lang="ko-KR" altLang="en-US" sz="4400" dirty="0">
+                <a:latin typeface="나눔스퀘어" panose="020B0600000101010101" pitchFamily="50" charset="-127"/>
+                <a:ea typeface="나눔스퀘어" panose="020B0600000101010101" pitchFamily="50" charset="-127"/>
+              </a:rPr>
+              <a:t>진행 상황</a:t>
+            </a:r>
+          </a:p>
+        </p:txBody>
+      </p:sp>
+      <p:sp>
+        <p:nvSpPr>
+          <p:cNvPr id="3" name="내용 개체 틀 2">
+            <a:extLst>
+              <a:ext uri="{FF2B5EF4-FFF2-40B4-BE49-F238E27FC236}">
+                <a16:creationId xmlns:a16="http://schemas.microsoft.com/office/drawing/2014/main" id="{CE680D33-7DE6-430A-91B0-F2A3DC91933B}"/>
+              </a:ext>
+            </a:extLst>
+          </p:cNvPr>
+          <p:cNvSpPr>
+            <a:spLocks noGrp="1"/>
+          </p:cNvSpPr>
+          <p:nvPr>
+            <p:ph idx="1"/>
+          </p:nvPr>
+        </p:nvSpPr>
+        <p:spPr/>
+        <p:txBody>
+          <a:bodyPr/>
+          <a:lstStyle/>
+          <a:p>
+            <a:pPr>
+              <a:buFont typeface="Wingdings" panose="05000000000000000000" pitchFamily="2" charset="2"/>
+              <a:buChar char="v"/>
+            </a:pPr>
+            <a:endParaRPr lang="en-US" altLang="ko-KR" sz="2400" dirty="0">
+              <a:latin typeface="나눔스퀘어" panose="020B0600000101010101" pitchFamily="50" charset="-127"/>
+              <a:ea typeface="나눔스퀘어" panose="020B0600000101010101" pitchFamily="50" charset="-127"/>
+            </a:endParaRPr>
+          </a:p>
+          <a:p>
+            <a:pPr>
+              <a:buFont typeface="Wingdings" panose="05000000000000000000" pitchFamily="2" charset="2"/>
+              <a:buChar char="v"/>
+            </a:pPr>
+            <a:endParaRPr lang="en-US" altLang="ko-KR" sz="2400" dirty="0">
+              <a:latin typeface="나눔스퀘어" panose="020B0600000101010101" pitchFamily="50" charset="-127"/>
+              <a:ea typeface="나눔스퀘어" panose="020B0600000101010101" pitchFamily="50" charset="-127"/>
+            </a:endParaRPr>
+          </a:p>
+          <a:p>
+            <a:pPr marL="457200" lvl="1" indent="0">
+              <a:buNone/>
+            </a:pPr>
+            <a:endParaRPr lang="en-US" altLang="ko-KR" sz="1800" dirty="0">
+              <a:latin typeface="나눔스퀘어" panose="020B0600000101010101" pitchFamily="50" charset="-127"/>
+              <a:ea typeface="나눔스퀘어" panose="020B0600000101010101" pitchFamily="50" charset="-127"/>
+            </a:endParaRPr>
+          </a:p>
+          <a:p>
+            <a:pPr>
+              <a:buFont typeface="Wingdings" panose="05000000000000000000" pitchFamily="2" charset="2"/>
+              <a:buChar char="v"/>
+            </a:pPr>
+            <a:r>
+              <a:rPr lang="en-US" altLang="ko-KR" sz="2400" dirty="0">
+                <a:latin typeface="나눔스퀘어" panose="020B0600000101010101" pitchFamily="50" charset="-127"/>
+                <a:ea typeface="나눔스퀘어" panose="020B0600000101010101" pitchFamily="50" charset="-127"/>
+              </a:rPr>
+              <a:t> </a:t>
+            </a:r>
+            <a:r>
+              <a:rPr lang="ko-KR" altLang="en-US" sz="2400" dirty="0">
+                <a:latin typeface="나눔스퀘어" panose="020B0600000101010101" pitchFamily="50" charset="-127"/>
+                <a:ea typeface="나눔스퀘어" panose="020B0600000101010101" pitchFamily="50" charset="-127"/>
+              </a:rPr>
+              <a:t>왕복 예매</a:t>
+            </a:r>
+            <a:endParaRPr lang="en-US" altLang="ko-KR" sz="2400" dirty="0">
+              <a:latin typeface="나눔스퀘어" panose="020B0600000101010101" pitchFamily="50" charset="-127"/>
+              <a:ea typeface="나눔스퀘어" panose="020B0600000101010101" pitchFamily="50" charset="-127"/>
+            </a:endParaRPr>
+          </a:p>
+          <a:p>
+            <a:pPr lvl="1">
+              <a:buFont typeface="Wingdings" panose="05000000000000000000" pitchFamily="2" charset="2"/>
+              <a:buChar char="Ø"/>
+            </a:pPr>
+            <a:r>
+              <a:rPr lang="en-US" altLang="ko-KR" sz="1800" dirty="0">
+                <a:latin typeface="나눔스퀘어" panose="020B0600000101010101" pitchFamily="50" charset="-127"/>
+                <a:ea typeface="나눔스퀘어" panose="020B0600000101010101" pitchFamily="50" charset="-127"/>
+              </a:rPr>
+              <a:t> </a:t>
+            </a:r>
+            <a:r>
+              <a:rPr lang="ko-KR" altLang="en-US" sz="1800" dirty="0">
+                <a:latin typeface="나눔스퀘어" panose="020B0600000101010101" pitchFamily="50" charset="-127"/>
+                <a:ea typeface="나눔스퀘어" panose="020B0600000101010101" pitchFamily="50" charset="-127"/>
+              </a:rPr>
+              <a:t>가는 날 열차를 예매 후 오는 날 열차 예매</a:t>
+            </a:r>
+            <a:endParaRPr lang="en-US" altLang="ko-KR" dirty="0">
+              <a:latin typeface="나눔스퀘어" panose="020B0600000101010101" pitchFamily="50" charset="-127"/>
+              <a:ea typeface="나눔스퀘어" panose="020B0600000101010101" pitchFamily="50" charset="-127"/>
+            </a:endParaRPr>
+          </a:p>
+        </p:txBody>
+      </p:sp>
+      <p:pic>
+        <p:nvPicPr>
+          <p:cNvPr id="11" name="그림 10">
+            <a:extLst>
+              <a:ext uri="{FF2B5EF4-FFF2-40B4-BE49-F238E27FC236}">
+                <a16:creationId xmlns:a16="http://schemas.microsoft.com/office/drawing/2014/main" id="{DA87EB10-14BB-41DC-B34C-80E07AC7D01C}"/>
+              </a:ext>
+            </a:extLst>
+          </p:cNvPr>
+          <p:cNvPicPr>
+            <a:picLocks noChangeAspect="1"/>
+          </p:cNvPicPr>
+          <p:nvPr/>
+        </p:nvPicPr>
+        <p:blipFill>
+          <a:blip r:embed="rId2"/>
+          <a:stretch>
+            <a:fillRect/>
+          </a:stretch>
+        </p:blipFill>
+        <p:spPr>
+          <a:xfrm>
+            <a:off x="6026186" y="2637193"/>
+            <a:ext cx="5290463" cy="3718348"/>
+          </a:xfrm>
+          <a:prstGeom prst="rect">
+            <a:avLst/>
+          </a:prstGeom>
+          <a:ln w="12700">
+            <a:solidFill>
+              <a:schemeClr val="tx1"/>
+            </a:solidFill>
+          </a:ln>
+        </p:spPr>
+      </p:pic>
+    </p:spTree>
+    <p:extLst>
+      <p:ext uri="{BB962C8B-B14F-4D97-AF65-F5344CB8AC3E}">
+        <p14:creationId xmlns:p14="http://schemas.microsoft.com/office/powerpoint/2010/main" val="1122779012"/>
+      </p:ext>
+    </p:extLst>
+  </p:cSld>
+  <p:clrMapOvr>
+    <a:masterClrMapping/>
+  </p:clrMapOvr>
+</p:sld>
+</file>
+
+<file path=ppt/slides/slide2.xml><?xml version="1.0" encoding="utf-8"?>
+<p:sld xmlns:a="http://schemas.openxmlformats.org/drawingml/2006/main" xmlns:r="http://schemas.openxmlformats.org/officeDocument/2006/relationships" xmlns:p="http://schemas.openxmlformats.org/presentationml/2006/main">
+  <p:cSld>
+    <p:spTree>
+      <p:nvGrpSpPr>
+        <p:cNvPr id="1" name=""/>
+        <p:cNvGrpSpPr/>
+        <p:nvPr/>
+      </p:nvGrpSpPr>
+      <p:grpSpPr>
+        <a:xfrm>
+          <a:off x="0" y="0"/>
+          <a:ext cx="0" cy="0"/>
+          <a:chOff x="0" y="0"/>
+          <a:chExt cx="0" cy="0"/>
+        </a:xfrm>
+      </p:grpSpPr>
+      <p:sp>
+        <p:nvSpPr>
+          <p:cNvPr id="2" name="제목 1">
+            <a:extLst>
+              <a:ext uri="{FF2B5EF4-FFF2-40B4-BE49-F238E27FC236}">
+                <a16:creationId xmlns:a16="http://schemas.microsoft.com/office/drawing/2014/main" id="{36E46BD5-9BF8-4A36-B399-C907B8D17343}"/>
+              </a:ext>
+            </a:extLst>
+          </p:cNvPr>
+          <p:cNvSpPr>
+            <a:spLocks noGrp="1"/>
+          </p:cNvSpPr>
+          <p:nvPr>
+            <p:ph type="title"/>
+          </p:nvPr>
+        </p:nvSpPr>
+        <p:spPr/>
+        <p:txBody>
+          <a:bodyPr>
+            <a:normAutofit/>
+          </a:bodyPr>
+          <a:lstStyle/>
+          <a:p>
+            <a:r>
+              <a:rPr lang="ko-KR" altLang="en-US" sz="4400" dirty="0">
+                <a:latin typeface="나눔스퀘어" panose="020B0600000101010101" pitchFamily="50" charset="-127"/>
+                <a:ea typeface="나눔스퀘어" panose="020B0600000101010101" pitchFamily="50" charset="-127"/>
+              </a:rPr>
+              <a:t>목차</a:t>
+            </a:r>
+          </a:p>
+        </p:txBody>
+      </p:sp>
+      <p:sp>
+        <p:nvSpPr>
+          <p:cNvPr id="3" name="내용 개체 틀 2">
+            <a:extLst>
+              <a:ext uri="{FF2B5EF4-FFF2-40B4-BE49-F238E27FC236}">
+                <a16:creationId xmlns:a16="http://schemas.microsoft.com/office/drawing/2014/main" id="{CE680D33-7DE6-430A-91B0-F2A3DC91933B}"/>
+              </a:ext>
+            </a:extLst>
+          </p:cNvPr>
+          <p:cNvSpPr>
+            <a:spLocks noGrp="1"/>
+          </p:cNvSpPr>
+          <p:nvPr>
+            <p:ph idx="1"/>
+          </p:nvPr>
+        </p:nvSpPr>
+        <p:spPr/>
+        <p:txBody>
+          <a:bodyPr/>
+          <a:lstStyle/>
+          <a:p>
+            <a:pPr>
+              <a:buFont typeface="Wingdings" panose="05000000000000000000" pitchFamily="2" charset="2"/>
+              <a:buChar char="v"/>
+            </a:pPr>
+            <a:endParaRPr lang="en-US" altLang="ko-KR" sz="1400" dirty="0">
+              <a:latin typeface="나눔스퀘어" panose="020B0600000101010101" pitchFamily="50" charset="-127"/>
+              <a:ea typeface="나눔스퀘어" panose="020B0600000101010101" pitchFamily="50" charset="-127"/>
+            </a:endParaRPr>
+          </a:p>
+          <a:p>
+            <a:pPr>
+              <a:buFont typeface="Wingdings" panose="05000000000000000000" pitchFamily="2" charset="2"/>
+              <a:buChar char="v"/>
+            </a:pPr>
+            <a:r>
+              <a:rPr lang="en-US" altLang="ko-KR" sz="2400" dirty="0">
+                <a:latin typeface="나눔스퀘어" panose="020B0600000101010101" pitchFamily="50" charset="-127"/>
+                <a:ea typeface="나눔스퀘어" panose="020B0600000101010101" pitchFamily="50" charset="-127"/>
+              </a:rPr>
+              <a:t> 1 </a:t>
+            </a:r>
+            <a:r>
+              <a:rPr lang="ko-KR" altLang="en-US" sz="2400" dirty="0">
+                <a:latin typeface="나눔스퀘어" panose="020B0600000101010101" pitchFamily="50" charset="-127"/>
+                <a:ea typeface="나눔스퀘어" panose="020B0600000101010101" pitchFamily="50" charset="-127"/>
+              </a:rPr>
+              <a:t>주차</a:t>
+            </a:r>
+            <a:endParaRPr lang="en-US" altLang="ko-KR" sz="2400" dirty="0">
+              <a:latin typeface="나눔스퀘어" panose="020B0600000101010101" pitchFamily="50" charset="-127"/>
+              <a:ea typeface="나눔스퀘어" panose="020B0600000101010101" pitchFamily="50" charset="-127"/>
+            </a:endParaRPr>
+          </a:p>
+          <a:p>
+            <a:pPr>
+              <a:buFont typeface="Wingdings" panose="05000000000000000000" pitchFamily="2" charset="2"/>
+              <a:buChar char="v"/>
+            </a:pPr>
+            <a:endParaRPr lang="en-US" altLang="ko-KR" sz="2400" dirty="0">
+              <a:latin typeface="나눔스퀘어" panose="020B0600000101010101" pitchFamily="50" charset="-127"/>
+              <a:ea typeface="나눔스퀘어" panose="020B0600000101010101" pitchFamily="50" charset="-127"/>
+            </a:endParaRPr>
+          </a:p>
+          <a:p>
+            <a:pPr>
+              <a:buFont typeface="Wingdings" panose="05000000000000000000" pitchFamily="2" charset="2"/>
+              <a:buChar char="v"/>
+            </a:pPr>
+            <a:r>
+              <a:rPr lang="en-US" altLang="ko-KR" sz="2400" dirty="0">
+                <a:latin typeface="나눔스퀘어" panose="020B0600000101010101" pitchFamily="50" charset="-127"/>
+                <a:ea typeface="나눔스퀘어" panose="020B0600000101010101" pitchFamily="50" charset="-127"/>
+              </a:rPr>
+              <a:t> 2 </a:t>
+            </a:r>
+            <a:r>
+              <a:rPr lang="ko-KR" altLang="en-US" sz="2400" dirty="0">
+                <a:latin typeface="나눔스퀘어" panose="020B0600000101010101" pitchFamily="50" charset="-127"/>
+                <a:ea typeface="나눔스퀘어" panose="020B0600000101010101" pitchFamily="50" charset="-127"/>
+              </a:rPr>
+              <a:t>주차</a:t>
+            </a:r>
+            <a:endParaRPr lang="en-US" altLang="ko-KR" sz="2400" dirty="0">
+              <a:latin typeface="나눔스퀘어" panose="020B0600000101010101" pitchFamily="50" charset="-127"/>
+              <a:ea typeface="나눔스퀘어" panose="020B0600000101010101" pitchFamily="50" charset="-127"/>
+            </a:endParaRPr>
+          </a:p>
+          <a:p>
+            <a:pPr>
+              <a:buFont typeface="Wingdings" panose="05000000000000000000" pitchFamily="2" charset="2"/>
+              <a:buChar char="v"/>
+            </a:pPr>
+            <a:endParaRPr lang="en-US" altLang="ko-KR" sz="2400" dirty="0">
+              <a:latin typeface="나눔스퀘어" panose="020B0600000101010101" pitchFamily="50" charset="-127"/>
+              <a:ea typeface="나눔스퀘어" panose="020B0600000101010101" pitchFamily="50" charset="-127"/>
+            </a:endParaRPr>
+          </a:p>
+          <a:p>
+            <a:pPr>
+              <a:buFont typeface="Wingdings" panose="05000000000000000000" pitchFamily="2" charset="2"/>
+              <a:buChar char="v"/>
+            </a:pPr>
+            <a:r>
+              <a:rPr lang="en-US" altLang="ko-KR" sz="2400" dirty="0">
+                <a:latin typeface="나눔스퀘어" panose="020B0600000101010101" pitchFamily="50" charset="-127"/>
+                <a:ea typeface="나눔스퀘어" panose="020B0600000101010101" pitchFamily="50" charset="-127"/>
+              </a:rPr>
+              <a:t> 3 </a:t>
+            </a:r>
+            <a:r>
+              <a:rPr lang="ko-KR" altLang="en-US" sz="2400" dirty="0">
+                <a:latin typeface="나눔스퀘어" panose="020B0600000101010101" pitchFamily="50" charset="-127"/>
+                <a:ea typeface="나눔스퀘어" panose="020B0600000101010101" pitchFamily="50" charset="-127"/>
+              </a:rPr>
+              <a:t>주차</a:t>
+            </a:r>
+            <a:endParaRPr lang="en-US" altLang="ko-KR" sz="2400" dirty="0">
+              <a:latin typeface="나눔스퀘어" panose="020B0600000101010101" pitchFamily="50" charset="-127"/>
+              <a:ea typeface="나눔스퀘어" panose="020B0600000101010101" pitchFamily="50" charset="-127"/>
+            </a:endParaRPr>
+          </a:p>
+        </p:txBody>
+      </p:sp>
+    </p:spTree>
+    <p:extLst>
+      <p:ext uri="{BB962C8B-B14F-4D97-AF65-F5344CB8AC3E}">
+        <p14:creationId xmlns:p14="http://schemas.microsoft.com/office/powerpoint/2010/main" val="3004168847"/>
+      </p:ext>
+    </p:extLst>
+  </p:cSld>
+  <p:clrMapOvr>
+    <a:masterClrMapping/>
+  </p:clrMapOvr>
+</p:sld>
+</file>
+
+<file path=ppt/slides/slide20.xml><?xml version="1.0" encoding="utf-8"?>
+<p:sld xmlns:a="http://schemas.openxmlformats.org/drawingml/2006/main" xmlns:r="http://schemas.openxmlformats.org/officeDocument/2006/relationships" xmlns:p="http://schemas.openxmlformats.org/presentationml/2006/main">
+  <p:cSld>
+    <p:spTree>
+      <p:nvGrpSpPr>
+        <p:cNvPr id="1" name=""/>
+        <p:cNvGrpSpPr/>
+        <p:nvPr/>
+      </p:nvGrpSpPr>
+      <p:grpSpPr>
+        <a:xfrm>
+          <a:off x="0" y="0"/>
+          <a:ext cx="0" cy="0"/>
+          <a:chOff x="0" y="0"/>
+          <a:chExt cx="0" cy="0"/>
+        </a:xfrm>
+      </p:grpSpPr>
+      <p:pic>
+        <p:nvPicPr>
+          <p:cNvPr id="5" name="그림 4">
+            <a:extLst>
+              <a:ext uri="{FF2B5EF4-FFF2-40B4-BE49-F238E27FC236}">
+                <a16:creationId xmlns:a16="http://schemas.microsoft.com/office/drawing/2014/main" id="{5391F8F5-9AB3-41C6-BDA1-37E1A4BAC56F}"/>
+              </a:ext>
+            </a:extLst>
+          </p:cNvPr>
+          <p:cNvPicPr>
+            <a:picLocks noChangeAspect="1"/>
+          </p:cNvPicPr>
+          <p:nvPr/>
+        </p:nvPicPr>
+        <p:blipFill>
+          <a:blip r:embed="rId2"/>
+          <a:stretch>
+            <a:fillRect/>
+          </a:stretch>
+        </p:blipFill>
+        <p:spPr>
+          <a:xfrm>
+            <a:off x="6026187" y="2637851"/>
+            <a:ext cx="5290463" cy="3718348"/>
+          </a:xfrm>
+          <a:prstGeom prst="rect">
+            <a:avLst/>
+          </a:prstGeom>
+          <a:ln w="12700">
+            <a:solidFill>
+              <a:schemeClr val="tx1"/>
+            </a:solidFill>
+          </a:ln>
+        </p:spPr>
+      </p:pic>
+      <p:sp>
+        <p:nvSpPr>
+          <p:cNvPr id="2" name="제목 1">
+            <a:extLst>
+              <a:ext uri="{FF2B5EF4-FFF2-40B4-BE49-F238E27FC236}">
+                <a16:creationId xmlns:a16="http://schemas.microsoft.com/office/drawing/2014/main" id="{36E46BD5-9BF8-4A36-B399-C907B8D17343}"/>
+              </a:ext>
+            </a:extLst>
+          </p:cNvPr>
+          <p:cNvSpPr>
+            <a:spLocks noGrp="1"/>
+          </p:cNvSpPr>
+          <p:nvPr>
+            <p:ph type="title"/>
+          </p:nvPr>
+        </p:nvSpPr>
+        <p:spPr/>
+        <p:txBody>
+          <a:bodyPr>
+            <a:normAutofit/>
+          </a:bodyPr>
+          <a:lstStyle/>
+          <a:p>
+            <a:r>
+              <a:rPr lang="ko-KR" altLang="en-US" sz="4400" dirty="0">
+                <a:latin typeface="나눔스퀘어" panose="020B0600000101010101" pitchFamily="50" charset="-127"/>
+                <a:ea typeface="나눔스퀘어" panose="020B0600000101010101" pitchFamily="50" charset="-127"/>
+              </a:rPr>
+              <a:t>진행 상황</a:t>
+            </a:r>
+          </a:p>
+        </p:txBody>
+      </p:sp>
+      <p:sp>
+        <p:nvSpPr>
+          <p:cNvPr id="3" name="내용 개체 틀 2">
+            <a:extLst>
+              <a:ext uri="{FF2B5EF4-FFF2-40B4-BE49-F238E27FC236}">
+                <a16:creationId xmlns:a16="http://schemas.microsoft.com/office/drawing/2014/main" id="{CE680D33-7DE6-430A-91B0-F2A3DC91933B}"/>
+              </a:ext>
+            </a:extLst>
+          </p:cNvPr>
+          <p:cNvSpPr>
+            <a:spLocks noGrp="1"/>
+          </p:cNvSpPr>
+          <p:nvPr>
+            <p:ph idx="1"/>
+          </p:nvPr>
+        </p:nvSpPr>
+        <p:spPr/>
+        <p:txBody>
+          <a:bodyPr/>
+          <a:lstStyle/>
+          <a:p>
+            <a:pPr>
+              <a:buFont typeface="Wingdings" panose="05000000000000000000" pitchFamily="2" charset="2"/>
+              <a:buChar char="v"/>
+            </a:pPr>
+            <a:endParaRPr lang="en-US" altLang="ko-KR" sz="2400" dirty="0">
+              <a:latin typeface="나눔스퀘어" panose="020B0600000101010101" pitchFamily="50" charset="-127"/>
+              <a:ea typeface="나눔스퀘어" panose="020B0600000101010101" pitchFamily="50" charset="-127"/>
+            </a:endParaRPr>
+          </a:p>
+          <a:p>
+            <a:pPr>
+              <a:buFont typeface="Wingdings" panose="05000000000000000000" pitchFamily="2" charset="2"/>
+              <a:buChar char="v"/>
+            </a:pPr>
+            <a:endParaRPr lang="en-US" altLang="ko-KR" sz="2400" dirty="0">
+              <a:latin typeface="나눔스퀘어" panose="020B0600000101010101" pitchFamily="50" charset="-127"/>
+              <a:ea typeface="나눔스퀘어" panose="020B0600000101010101" pitchFamily="50" charset="-127"/>
+            </a:endParaRPr>
+          </a:p>
+          <a:p>
+            <a:pPr lvl="1">
+              <a:buFont typeface="Wingdings" panose="05000000000000000000" pitchFamily="2" charset="2"/>
+              <a:buChar char="v"/>
+            </a:pPr>
+            <a:endParaRPr lang="en-US" altLang="ko-KR" sz="1800" dirty="0">
+              <a:latin typeface="나눔스퀘어" panose="020B0600000101010101" pitchFamily="50" charset="-127"/>
+              <a:ea typeface="나눔스퀘어" panose="020B0600000101010101" pitchFamily="50" charset="-127"/>
+            </a:endParaRPr>
+          </a:p>
+          <a:p>
+            <a:pPr>
+              <a:buFont typeface="Wingdings" panose="05000000000000000000" pitchFamily="2" charset="2"/>
+              <a:buChar char="v"/>
+            </a:pPr>
+            <a:r>
+              <a:rPr lang="en-US" altLang="ko-KR" sz="2400" dirty="0">
+                <a:latin typeface="나눔스퀘어" panose="020B0600000101010101" pitchFamily="50" charset="-127"/>
+                <a:ea typeface="나눔스퀘어" panose="020B0600000101010101" pitchFamily="50" charset="-127"/>
+              </a:rPr>
+              <a:t> </a:t>
+            </a:r>
+            <a:r>
+              <a:rPr lang="ko-KR" altLang="en-US" sz="2400" dirty="0">
+                <a:latin typeface="나눔스퀘어" panose="020B0600000101010101" pitchFamily="50" charset="-127"/>
+                <a:ea typeface="나눔스퀘어" panose="020B0600000101010101" pitchFamily="50" charset="-127"/>
+              </a:rPr>
+              <a:t>열차 조회</a:t>
+            </a:r>
+            <a:endParaRPr lang="en-US" altLang="ko-KR" sz="2400" dirty="0">
+              <a:latin typeface="나눔스퀘어" panose="020B0600000101010101" pitchFamily="50" charset="-127"/>
+              <a:ea typeface="나눔스퀘어" panose="020B0600000101010101" pitchFamily="50" charset="-127"/>
+            </a:endParaRPr>
+          </a:p>
+          <a:p>
+            <a:pPr lvl="1">
+              <a:buFont typeface="Wingdings" panose="05000000000000000000" pitchFamily="2" charset="2"/>
+              <a:buChar char="Ø"/>
+            </a:pPr>
+            <a:r>
+              <a:rPr lang="en-US" altLang="ko-KR" sz="1800" dirty="0">
+                <a:latin typeface="나눔스퀘어" panose="020B0600000101010101" pitchFamily="50" charset="-127"/>
+                <a:ea typeface="나눔스퀘어" panose="020B0600000101010101" pitchFamily="50" charset="-127"/>
+              </a:rPr>
+              <a:t> </a:t>
+            </a:r>
+            <a:r>
+              <a:rPr lang="ko-KR" altLang="en-US" sz="1800" dirty="0">
+                <a:latin typeface="나눔스퀘어" panose="020B0600000101010101" pitchFamily="50" charset="-127"/>
+                <a:ea typeface="나눔스퀘어" panose="020B0600000101010101" pitchFamily="50" charset="-127"/>
+              </a:rPr>
+              <a:t>남은 좌석이 인원 수 보다 적은 경우</a:t>
+            </a:r>
+            <a:endParaRPr lang="en-US" altLang="ko-KR" sz="1800" dirty="0">
+              <a:latin typeface="나눔스퀘어" panose="020B0600000101010101" pitchFamily="50" charset="-127"/>
+              <a:ea typeface="나눔스퀘어" panose="020B0600000101010101" pitchFamily="50" charset="-127"/>
+            </a:endParaRPr>
+          </a:p>
+          <a:p>
+            <a:pPr lvl="2">
+              <a:buFont typeface="Wingdings" panose="05000000000000000000" pitchFamily="2" charset="2"/>
+              <a:buChar char="§"/>
+            </a:pPr>
+            <a:r>
+              <a:rPr lang="en-US" altLang="ko-KR" sz="1600" dirty="0">
+                <a:latin typeface="나눔스퀘어" panose="020B0600000101010101" pitchFamily="50" charset="-127"/>
+                <a:ea typeface="나눔스퀘어" panose="020B0600000101010101" pitchFamily="50" charset="-127"/>
+              </a:rPr>
+              <a:t> </a:t>
+            </a:r>
+            <a:r>
+              <a:rPr lang="ko-KR" altLang="en-US" sz="1600" dirty="0">
+                <a:latin typeface="나눔스퀘어" panose="020B0600000101010101" pitchFamily="50" charset="-127"/>
+                <a:ea typeface="나눔스퀘어" panose="020B0600000101010101" pitchFamily="50" charset="-127"/>
+              </a:rPr>
+              <a:t>해당 열차 회색으로 표시</a:t>
+            </a:r>
+            <a:endParaRPr lang="en-US" altLang="ko-KR" sz="1600" dirty="0">
+              <a:latin typeface="나눔스퀘어" panose="020B0600000101010101" pitchFamily="50" charset="-127"/>
+              <a:ea typeface="나눔스퀘어" panose="020B0600000101010101" pitchFamily="50" charset="-127"/>
+            </a:endParaRPr>
+          </a:p>
+        </p:txBody>
+      </p:sp>
+    </p:spTree>
+    <p:extLst>
+      <p:ext uri="{BB962C8B-B14F-4D97-AF65-F5344CB8AC3E}">
+        <p14:creationId xmlns:p14="http://schemas.microsoft.com/office/powerpoint/2010/main" val="3365737344"/>
+      </p:ext>
+    </p:extLst>
+  </p:cSld>
+  <p:clrMapOvr>
+    <a:masterClrMapping/>
+  </p:clrMapOvr>
+</p:sld>
+</file>
+
+<file path=ppt/slides/slide21.xml><?xml version="1.0" encoding="utf-8"?>
+<p:sld xmlns:a="http://schemas.openxmlformats.org/drawingml/2006/main" xmlns:r="http://schemas.openxmlformats.org/officeDocument/2006/relationships" xmlns:p="http://schemas.openxmlformats.org/presentationml/2006/main">
+  <p:cSld>
+    <p:spTree>
+      <p:nvGrpSpPr>
+        <p:cNvPr id="1" name=""/>
+        <p:cNvGrpSpPr/>
+        <p:nvPr/>
+      </p:nvGrpSpPr>
+      <p:grpSpPr>
+        <a:xfrm>
+          <a:off x="0" y="0"/>
+          <a:ext cx="0" cy="0"/>
+          <a:chOff x="0" y="0"/>
+          <a:chExt cx="0" cy="0"/>
+        </a:xfrm>
+      </p:grpSpPr>
+      <p:sp>
+        <p:nvSpPr>
+          <p:cNvPr id="2" name="제목 1">
+            <a:extLst>
+              <a:ext uri="{FF2B5EF4-FFF2-40B4-BE49-F238E27FC236}">
+                <a16:creationId xmlns:a16="http://schemas.microsoft.com/office/drawing/2014/main" id="{36E46BD5-9BF8-4A36-B399-C907B8D17343}"/>
+              </a:ext>
+            </a:extLst>
+          </p:cNvPr>
+          <p:cNvSpPr>
+            <a:spLocks noGrp="1"/>
+          </p:cNvSpPr>
+          <p:nvPr>
+            <p:ph type="title"/>
+          </p:nvPr>
+        </p:nvSpPr>
+        <p:spPr/>
+        <p:txBody>
+          <a:bodyPr>
+            <a:normAutofit/>
+          </a:bodyPr>
+          <a:lstStyle/>
+          <a:p>
+            <a:r>
+              <a:rPr lang="ko-KR" altLang="en-US" sz="4400" dirty="0">
+                <a:latin typeface="나눔스퀘어" panose="020B0600000101010101" pitchFamily="50" charset="-127"/>
+                <a:ea typeface="나눔스퀘어" panose="020B0600000101010101" pitchFamily="50" charset="-127"/>
+              </a:rPr>
+              <a:t>진행 상황</a:t>
+            </a:r>
+          </a:p>
+        </p:txBody>
+      </p:sp>
+      <p:sp>
+        <p:nvSpPr>
+          <p:cNvPr id="3" name="내용 개체 틀 2">
+            <a:extLst>
+              <a:ext uri="{FF2B5EF4-FFF2-40B4-BE49-F238E27FC236}">
+                <a16:creationId xmlns:a16="http://schemas.microsoft.com/office/drawing/2014/main" id="{CE680D33-7DE6-430A-91B0-F2A3DC91933B}"/>
+              </a:ext>
+            </a:extLst>
+          </p:cNvPr>
+          <p:cNvSpPr>
+            <a:spLocks noGrp="1"/>
+          </p:cNvSpPr>
+          <p:nvPr>
+            <p:ph idx="1"/>
+          </p:nvPr>
+        </p:nvSpPr>
+        <p:spPr/>
+        <p:txBody>
+          <a:bodyPr/>
+          <a:lstStyle/>
+          <a:p>
+            <a:pPr>
+              <a:buFont typeface="Wingdings" panose="05000000000000000000" pitchFamily="2" charset="2"/>
+              <a:buChar char="v"/>
+            </a:pPr>
+            <a:endParaRPr lang="en-US" altLang="ko-KR" sz="2400" dirty="0">
+              <a:latin typeface="나눔스퀘어" panose="020B0600000101010101" pitchFamily="50" charset="-127"/>
+              <a:ea typeface="나눔스퀘어" panose="020B0600000101010101" pitchFamily="50" charset="-127"/>
+            </a:endParaRPr>
+          </a:p>
+          <a:p>
+            <a:pPr>
+              <a:buFont typeface="Wingdings" panose="05000000000000000000" pitchFamily="2" charset="2"/>
+              <a:buChar char="v"/>
+            </a:pPr>
+            <a:endParaRPr lang="en-US" altLang="ko-KR" sz="2400" dirty="0">
+              <a:latin typeface="나눔스퀘어" panose="020B0600000101010101" pitchFamily="50" charset="-127"/>
+              <a:ea typeface="나눔스퀘어" panose="020B0600000101010101" pitchFamily="50" charset="-127"/>
+            </a:endParaRPr>
+          </a:p>
+          <a:p>
+            <a:pPr lvl="1">
+              <a:buFont typeface="Wingdings" panose="05000000000000000000" pitchFamily="2" charset="2"/>
+              <a:buChar char="v"/>
+            </a:pPr>
+            <a:endParaRPr lang="en-US" altLang="ko-KR" sz="1800" dirty="0">
+              <a:latin typeface="나눔스퀘어" panose="020B0600000101010101" pitchFamily="50" charset="-127"/>
+              <a:ea typeface="나눔스퀘어" panose="020B0600000101010101" pitchFamily="50" charset="-127"/>
+            </a:endParaRPr>
+          </a:p>
+          <a:p>
+            <a:pPr>
+              <a:buFont typeface="Wingdings" panose="05000000000000000000" pitchFamily="2" charset="2"/>
+              <a:buChar char="v"/>
+            </a:pPr>
+            <a:r>
+              <a:rPr lang="en-US" altLang="ko-KR" sz="2400" dirty="0">
+                <a:latin typeface="나눔스퀘어" panose="020B0600000101010101" pitchFamily="50" charset="-127"/>
+                <a:ea typeface="나눔스퀘어" panose="020B0600000101010101" pitchFamily="50" charset="-127"/>
+              </a:rPr>
+              <a:t> </a:t>
+            </a:r>
+            <a:r>
+              <a:rPr lang="ko-KR" altLang="en-US" sz="2400" dirty="0">
+                <a:latin typeface="나눔스퀘어" panose="020B0600000101010101" pitchFamily="50" charset="-127"/>
+                <a:ea typeface="나눔스퀘어" panose="020B0600000101010101" pitchFamily="50" charset="-127"/>
+              </a:rPr>
+              <a:t>좌석 선택</a:t>
+            </a:r>
+            <a:endParaRPr lang="en-US" altLang="ko-KR" sz="2400" dirty="0">
+              <a:latin typeface="나눔스퀘어" panose="020B0600000101010101" pitchFamily="50" charset="-127"/>
+              <a:ea typeface="나눔스퀘어" panose="020B0600000101010101" pitchFamily="50" charset="-127"/>
+            </a:endParaRPr>
+          </a:p>
+          <a:p>
+            <a:pPr lvl="1">
+              <a:buFont typeface="Wingdings" panose="05000000000000000000" pitchFamily="2" charset="2"/>
+              <a:buChar char="Ø"/>
+            </a:pPr>
+            <a:r>
+              <a:rPr lang="en-US" altLang="ko-KR" sz="1800" dirty="0">
+                <a:latin typeface="나눔스퀘어" panose="020B0600000101010101" pitchFamily="50" charset="-127"/>
+                <a:ea typeface="나눔스퀘어" panose="020B0600000101010101" pitchFamily="50" charset="-127"/>
+              </a:rPr>
+              <a:t> DB</a:t>
+            </a:r>
+            <a:r>
+              <a:rPr lang="ko-KR" altLang="en-US" sz="1800" dirty="0">
+                <a:latin typeface="나눔스퀘어" panose="020B0600000101010101" pitchFamily="50" charset="-127"/>
+                <a:ea typeface="나눔스퀘어" panose="020B0600000101010101" pitchFamily="50" charset="-127"/>
+              </a:rPr>
+              <a:t>에서 해당 열차 좌석 정보를 가져옴</a:t>
+            </a:r>
+            <a:endParaRPr lang="en-US" altLang="ko-KR" sz="1800" dirty="0">
+              <a:latin typeface="나눔스퀘어" panose="020B0600000101010101" pitchFamily="50" charset="-127"/>
+              <a:ea typeface="나눔스퀘어" panose="020B0600000101010101" pitchFamily="50" charset="-127"/>
+            </a:endParaRPr>
+          </a:p>
+          <a:p>
+            <a:pPr lvl="1">
+              <a:buFont typeface="Wingdings" panose="05000000000000000000" pitchFamily="2" charset="2"/>
+              <a:buChar char="Ø"/>
+            </a:pPr>
+            <a:r>
+              <a:rPr lang="en-US" altLang="ko-KR" sz="1800" dirty="0">
+                <a:latin typeface="나눔스퀘어" panose="020B0600000101010101" pitchFamily="50" charset="-127"/>
+                <a:ea typeface="나눔스퀘어" panose="020B0600000101010101" pitchFamily="50" charset="-127"/>
+              </a:rPr>
+              <a:t> </a:t>
+            </a:r>
+            <a:r>
+              <a:rPr lang="ko-KR" altLang="en-US" sz="1800" dirty="0">
+                <a:latin typeface="나눔스퀘어" panose="020B0600000101010101" pitchFamily="50" charset="-127"/>
+                <a:ea typeface="나눔스퀘어" panose="020B0600000101010101" pitchFamily="50" charset="-127"/>
+              </a:rPr>
+              <a:t>이미 존재하는 좌석 예매 불가</a:t>
+            </a:r>
+            <a:endParaRPr lang="en-US" altLang="ko-KR" sz="1800" dirty="0">
+              <a:latin typeface="나눔스퀘어" panose="020B0600000101010101" pitchFamily="50" charset="-127"/>
+              <a:ea typeface="나눔스퀘어" panose="020B0600000101010101" pitchFamily="50" charset="-127"/>
+            </a:endParaRPr>
+          </a:p>
+        </p:txBody>
+      </p:sp>
+      <p:pic>
+        <p:nvPicPr>
+          <p:cNvPr id="7" name="그림 6">
+            <a:extLst>
+              <a:ext uri="{FF2B5EF4-FFF2-40B4-BE49-F238E27FC236}">
+                <a16:creationId xmlns:a16="http://schemas.microsoft.com/office/drawing/2014/main" id="{1AFA713F-7D3D-43BD-94B3-68DC0FF4E1A0}"/>
+              </a:ext>
+            </a:extLst>
+          </p:cNvPr>
+          <p:cNvPicPr/>
+          <p:nvPr/>
+        </p:nvPicPr>
+        <p:blipFill>
+          <a:blip r:embed="rId2"/>
+          <a:stretch>
+            <a:fillRect/>
+          </a:stretch>
+        </p:blipFill>
+        <p:spPr>
+          <a:xfrm>
+            <a:off x="6026188" y="2637851"/>
+            <a:ext cx="5290463" cy="3717993"/>
+          </a:xfrm>
+          <a:prstGeom prst="rect">
+            <a:avLst/>
+          </a:prstGeom>
+          <a:ln w="12700">
+            <a:solidFill>
+              <a:schemeClr val="tx1"/>
+            </a:solidFill>
+          </a:ln>
+        </p:spPr>
+      </p:pic>
+    </p:spTree>
+    <p:extLst>
+      <p:ext uri="{BB962C8B-B14F-4D97-AF65-F5344CB8AC3E}">
+        <p14:creationId xmlns:p14="http://schemas.microsoft.com/office/powerpoint/2010/main" val="3581889792"/>
+      </p:ext>
+    </p:extLst>
+  </p:cSld>
+  <p:clrMapOvr>
+    <a:masterClrMapping/>
+  </p:clrMapOvr>
+</p:sld>
+</file>
+
+<file path=ppt/slides/slide22.xml><?xml version="1.0" encoding="utf-8"?>
+<p:sld xmlns:a="http://schemas.openxmlformats.org/drawingml/2006/main" xmlns:r="http://schemas.openxmlformats.org/officeDocument/2006/relationships" xmlns:p="http://schemas.openxmlformats.org/presentationml/2006/main">
+  <p:cSld>
+    <p:spTree>
+      <p:nvGrpSpPr>
+        <p:cNvPr id="1" name=""/>
+        <p:cNvGrpSpPr/>
+        <p:nvPr/>
+      </p:nvGrpSpPr>
+      <p:grpSpPr>
+        <a:xfrm>
+          <a:off x="0" y="0"/>
+          <a:ext cx="0" cy="0"/>
+          <a:chOff x="0" y="0"/>
+          <a:chExt cx="0" cy="0"/>
+        </a:xfrm>
+      </p:grpSpPr>
+      <p:sp>
+        <p:nvSpPr>
+          <p:cNvPr id="2" name="제목 1">
+            <a:extLst>
+              <a:ext uri="{FF2B5EF4-FFF2-40B4-BE49-F238E27FC236}">
+                <a16:creationId xmlns:a16="http://schemas.microsoft.com/office/drawing/2014/main" id="{36E46BD5-9BF8-4A36-B399-C907B8D17343}"/>
+              </a:ext>
+            </a:extLst>
+          </p:cNvPr>
+          <p:cNvSpPr>
+            <a:spLocks noGrp="1"/>
+          </p:cNvSpPr>
+          <p:nvPr>
+            <p:ph type="title"/>
+          </p:nvPr>
+        </p:nvSpPr>
+        <p:spPr/>
+        <p:txBody>
+          <a:bodyPr>
+            <a:normAutofit/>
+          </a:bodyPr>
+          <a:lstStyle/>
+          <a:p>
+            <a:r>
+              <a:rPr lang="ko-KR" altLang="en-US" sz="4400" dirty="0">
+                <a:latin typeface="나눔스퀘어" panose="020B0600000101010101" pitchFamily="50" charset="-127"/>
+                <a:ea typeface="나눔스퀘어" panose="020B0600000101010101" pitchFamily="50" charset="-127"/>
+              </a:rPr>
+              <a:t>진행 상황</a:t>
+            </a:r>
+          </a:p>
+        </p:txBody>
+      </p:sp>
+      <p:sp>
+        <p:nvSpPr>
+          <p:cNvPr id="3" name="내용 개체 틀 2">
+            <a:extLst>
+              <a:ext uri="{FF2B5EF4-FFF2-40B4-BE49-F238E27FC236}">
+                <a16:creationId xmlns:a16="http://schemas.microsoft.com/office/drawing/2014/main" id="{CE680D33-7DE6-430A-91B0-F2A3DC91933B}"/>
+              </a:ext>
+            </a:extLst>
+          </p:cNvPr>
+          <p:cNvSpPr>
+            <a:spLocks noGrp="1"/>
+          </p:cNvSpPr>
+          <p:nvPr>
+            <p:ph idx="1"/>
+          </p:nvPr>
+        </p:nvSpPr>
+        <p:spPr/>
+        <p:txBody>
+          <a:bodyPr/>
+          <a:lstStyle/>
+          <a:p>
+            <a:pPr>
+              <a:buFont typeface="Wingdings" panose="05000000000000000000" pitchFamily="2" charset="2"/>
+              <a:buChar char="v"/>
+            </a:pPr>
+            <a:endParaRPr lang="en-US" altLang="ko-KR" sz="2400" dirty="0">
+              <a:latin typeface="나눔스퀘어" panose="020B0600000101010101" pitchFamily="50" charset="-127"/>
+              <a:ea typeface="나눔스퀘어" panose="020B0600000101010101" pitchFamily="50" charset="-127"/>
+            </a:endParaRPr>
+          </a:p>
+          <a:p>
+            <a:pPr>
+              <a:buFont typeface="Wingdings" panose="05000000000000000000" pitchFamily="2" charset="2"/>
+              <a:buChar char="v"/>
+            </a:pPr>
+            <a:endParaRPr lang="en-US" altLang="ko-KR" sz="2400" dirty="0">
+              <a:latin typeface="나눔스퀘어" panose="020B0600000101010101" pitchFamily="50" charset="-127"/>
+              <a:ea typeface="나눔스퀘어" panose="020B0600000101010101" pitchFamily="50" charset="-127"/>
+            </a:endParaRPr>
+          </a:p>
+          <a:p>
+            <a:pPr lvl="1">
+              <a:buFont typeface="Wingdings" panose="05000000000000000000" pitchFamily="2" charset="2"/>
+              <a:buChar char="v"/>
+            </a:pPr>
+            <a:endParaRPr lang="en-US" altLang="ko-KR" sz="1800" dirty="0">
+              <a:latin typeface="나눔스퀘어" panose="020B0600000101010101" pitchFamily="50" charset="-127"/>
+              <a:ea typeface="나눔스퀘어" panose="020B0600000101010101" pitchFamily="50" charset="-127"/>
+            </a:endParaRPr>
+          </a:p>
+          <a:p>
+            <a:pPr>
+              <a:buFont typeface="Wingdings" panose="05000000000000000000" pitchFamily="2" charset="2"/>
+              <a:buChar char="v"/>
+            </a:pPr>
+            <a:r>
+              <a:rPr lang="en-US" altLang="ko-KR" sz="2400" dirty="0">
+                <a:latin typeface="나눔스퀘어" panose="020B0600000101010101" pitchFamily="50" charset="-127"/>
+                <a:ea typeface="나눔스퀘어" panose="020B0600000101010101" pitchFamily="50" charset="-127"/>
+              </a:rPr>
+              <a:t> </a:t>
+            </a:r>
+            <a:r>
+              <a:rPr lang="ko-KR" altLang="en-US" sz="2400" dirty="0">
+                <a:latin typeface="나눔스퀘어" panose="020B0600000101010101" pitchFamily="50" charset="-127"/>
+                <a:ea typeface="나눔스퀘어" panose="020B0600000101010101" pitchFamily="50" charset="-127"/>
+              </a:rPr>
+              <a:t>좌석 선택 </a:t>
+            </a:r>
+            <a:r>
+              <a:rPr lang="en-US" altLang="ko-KR" sz="2400" dirty="0">
+                <a:latin typeface="나눔스퀘어" panose="020B0600000101010101" pitchFamily="50" charset="-127"/>
+                <a:ea typeface="나눔스퀘어" panose="020B0600000101010101" pitchFamily="50" charset="-127"/>
+              </a:rPr>
+              <a:t>- </a:t>
+            </a:r>
+            <a:r>
+              <a:rPr lang="ko-KR" altLang="en-US" sz="2400" dirty="0">
+                <a:latin typeface="나눔스퀘어" panose="020B0600000101010101" pitchFamily="50" charset="-127"/>
+                <a:ea typeface="나눔스퀘어" panose="020B0600000101010101" pitchFamily="50" charset="-127"/>
+              </a:rPr>
+              <a:t>예매</a:t>
+            </a:r>
+            <a:endParaRPr lang="en-US" altLang="ko-KR" sz="2400" dirty="0">
+              <a:latin typeface="나눔스퀘어" panose="020B0600000101010101" pitchFamily="50" charset="-127"/>
+              <a:ea typeface="나눔스퀘어" panose="020B0600000101010101" pitchFamily="50" charset="-127"/>
+            </a:endParaRPr>
+          </a:p>
+          <a:p>
+            <a:pPr lvl="1">
+              <a:buFont typeface="Wingdings" panose="05000000000000000000" pitchFamily="2" charset="2"/>
+              <a:buChar char="Ø"/>
+            </a:pPr>
+            <a:r>
+              <a:rPr lang="en-US" altLang="ko-KR" sz="1800" dirty="0">
+                <a:latin typeface="나눔스퀘어" panose="020B0600000101010101" pitchFamily="50" charset="-127"/>
+                <a:ea typeface="나눔스퀘어" panose="020B0600000101010101" pitchFamily="50" charset="-127"/>
+              </a:rPr>
+              <a:t> </a:t>
+            </a:r>
+            <a:r>
+              <a:rPr lang="ko-KR" altLang="en-US" sz="1800" dirty="0">
+                <a:latin typeface="나눔스퀘어" panose="020B0600000101010101" pitchFamily="50" charset="-127"/>
+                <a:ea typeface="나눔스퀘어" panose="020B0600000101010101" pitchFamily="50" charset="-127"/>
+              </a:rPr>
+              <a:t>인원이 남은 좌석 수보다 많을 경우</a:t>
+            </a:r>
+            <a:endParaRPr lang="en-US" altLang="ko-KR" sz="1800" dirty="0">
+              <a:latin typeface="나눔스퀘어" panose="020B0600000101010101" pitchFamily="50" charset="-127"/>
+              <a:ea typeface="나눔스퀘어" panose="020B0600000101010101" pitchFamily="50" charset="-127"/>
+            </a:endParaRPr>
+          </a:p>
+          <a:p>
+            <a:pPr lvl="2">
+              <a:buFont typeface="Wingdings" panose="05000000000000000000" pitchFamily="2" charset="2"/>
+              <a:buChar char="§"/>
+            </a:pPr>
+            <a:r>
+              <a:rPr lang="en-US" altLang="ko-KR" sz="1600" dirty="0">
+                <a:latin typeface="나눔스퀘어" panose="020B0600000101010101" pitchFamily="50" charset="-127"/>
+                <a:ea typeface="나눔스퀘어" panose="020B0600000101010101" pitchFamily="50" charset="-127"/>
+              </a:rPr>
+              <a:t> </a:t>
+            </a:r>
+            <a:r>
+              <a:rPr lang="ko-KR" altLang="en-US" sz="1600" dirty="0">
+                <a:latin typeface="나눔스퀘어" panose="020B0600000101010101" pitchFamily="50" charset="-127"/>
+                <a:ea typeface="나눔스퀘어" panose="020B0600000101010101" pitchFamily="50" charset="-127"/>
+              </a:rPr>
+              <a:t>남은 좌석만큼 예매</a:t>
+            </a:r>
+            <a:endParaRPr lang="en-US" altLang="ko-KR" sz="1600" dirty="0">
+              <a:latin typeface="나눔스퀘어" panose="020B0600000101010101" pitchFamily="50" charset="-127"/>
+              <a:ea typeface="나눔스퀘어" panose="020B0600000101010101" pitchFamily="50" charset="-127"/>
+            </a:endParaRPr>
+          </a:p>
+          <a:p>
+            <a:pPr lvl="2">
+              <a:buFont typeface="Wingdings" panose="05000000000000000000" pitchFamily="2" charset="2"/>
+              <a:buChar char="§"/>
+            </a:pPr>
+            <a:r>
+              <a:rPr lang="en-US" altLang="ko-KR" sz="1600" dirty="0">
+                <a:latin typeface="나눔스퀘어" panose="020B0600000101010101" pitchFamily="50" charset="-127"/>
+                <a:ea typeface="나눔스퀘어" panose="020B0600000101010101" pitchFamily="50" charset="-127"/>
+              </a:rPr>
+              <a:t> </a:t>
+            </a:r>
+            <a:r>
+              <a:rPr lang="ko-KR" altLang="en-US" sz="1600" dirty="0">
+                <a:latin typeface="나눔스퀘어" panose="020B0600000101010101" pitchFamily="50" charset="-127"/>
+                <a:ea typeface="나눔스퀘어" panose="020B0600000101010101" pitchFamily="50" charset="-127"/>
+              </a:rPr>
+              <a:t>그 외 나머지 인원 만큼 입석으로 예매</a:t>
+            </a:r>
+            <a:endParaRPr lang="en-US" altLang="ko-KR" sz="1600" dirty="0">
+              <a:latin typeface="나눔스퀘어" panose="020B0600000101010101" pitchFamily="50" charset="-127"/>
+              <a:ea typeface="나눔스퀘어" panose="020B0600000101010101" pitchFamily="50" charset="-127"/>
+            </a:endParaRPr>
+          </a:p>
+        </p:txBody>
+      </p:sp>
+      <p:pic>
+        <p:nvPicPr>
+          <p:cNvPr id="7" name="그림 6">
+            <a:extLst>
+              <a:ext uri="{FF2B5EF4-FFF2-40B4-BE49-F238E27FC236}">
+                <a16:creationId xmlns:a16="http://schemas.microsoft.com/office/drawing/2014/main" id="{1AFA713F-7D3D-43BD-94B3-68DC0FF4E1A0}"/>
+              </a:ext>
+            </a:extLst>
+          </p:cNvPr>
+          <p:cNvPicPr/>
+          <p:nvPr/>
+        </p:nvPicPr>
+        <p:blipFill>
+          <a:blip r:embed="rId2"/>
+          <a:stretch>
+            <a:fillRect/>
+          </a:stretch>
+        </p:blipFill>
+        <p:spPr>
+          <a:xfrm>
+            <a:off x="6026188" y="2637851"/>
+            <a:ext cx="5290463" cy="3717993"/>
+          </a:xfrm>
+          <a:prstGeom prst="rect">
+            <a:avLst/>
+          </a:prstGeom>
+          <a:ln w="12700">
+            <a:solidFill>
+              <a:schemeClr val="tx1"/>
+            </a:solidFill>
+          </a:ln>
+        </p:spPr>
+      </p:pic>
+    </p:spTree>
+    <p:extLst>
+      <p:ext uri="{BB962C8B-B14F-4D97-AF65-F5344CB8AC3E}">
+        <p14:creationId xmlns:p14="http://schemas.microsoft.com/office/powerpoint/2010/main" val="1423949281"/>
+      </p:ext>
+    </p:extLst>
+  </p:cSld>
+  <p:clrMapOvr>
+    <a:masterClrMapping/>
+  </p:clrMapOvr>
+</p:sld>
+</file>
+
+<file path=ppt/slides/slide23.xml><?xml version="1.0" encoding="utf-8"?>
+<p:sld xmlns:a="http://schemas.openxmlformats.org/drawingml/2006/main" xmlns:r="http://schemas.openxmlformats.org/officeDocument/2006/relationships" xmlns:p="http://schemas.openxmlformats.org/presentationml/2006/main">
+  <p:cSld>
+    <p:spTree>
+      <p:nvGrpSpPr>
+        <p:cNvPr id="1" name=""/>
+        <p:cNvGrpSpPr/>
+        <p:nvPr/>
+      </p:nvGrpSpPr>
+      <p:grpSpPr>
+        <a:xfrm>
+          <a:off x="0" y="0"/>
+          <a:ext cx="0" cy="0"/>
+          <a:chOff x="0" y="0"/>
+          <a:chExt cx="0" cy="0"/>
+        </a:xfrm>
+      </p:grpSpPr>
+      <p:sp>
+        <p:nvSpPr>
+          <p:cNvPr id="2" name="제목 1">
+            <a:extLst>
+              <a:ext uri="{FF2B5EF4-FFF2-40B4-BE49-F238E27FC236}">
+                <a16:creationId xmlns:a16="http://schemas.microsoft.com/office/drawing/2014/main" id="{36E46BD5-9BF8-4A36-B399-C907B8D17343}"/>
+              </a:ext>
+            </a:extLst>
+          </p:cNvPr>
+          <p:cNvSpPr>
+            <a:spLocks noGrp="1"/>
+          </p:cNvSpPr>
+          <p:nvPr>
+            <p:ph type="title"/>
+          </p:nvPr>
+        </p:nvSpPr>
+        <p:spPr/>
+        <p:txBody>
+          <a:bodyPr>
+            <a:normAutofit/>
+          </a:bodyPr>
+          <a:lstStyle/>
+          <a:p>
+            <a:r>
+              <a:rPr lang="ko-KR" altLang="en-US" sz="4400" dirty="0">
+                <a:latin typeface="나눔스퀘어" panose="020B0600000101010101" pitchFamily="50" charset="-127"/>
+                <a:ea typeface="나눔스퀘어" panose="020B0600000101010101" pitchFamily="50" charset="-127"/>
+              </a:rPr>
+              <a:t>진행 상황</a:t>
+            </a:r>
+          </a:p>
+        </p:txBody>
+      </p:sp>
+      <p:sp>
+        <p:nvSpPr>
+          <p:cNvPr id="3" name="내용 개체 틀 2">
+            <a:extLst>
+              <a:ext uri="{FF2B5EF4-FFF2-40B4-BE49-F238E27FC236}">
+                <a16:creationId xmlns:a16="http://schemas.microsoft.com/office/drawing/2014/main" id="{CE680D33-7DE6-430A-91B0-F2A3DC91933B}"/>
+              </a:ext>
+            </a:extLst>
+          </p:cNvPr>
+          <p:cNvSpPr>
+            <a:spLocks noGrp="1"/>
+          </p:cNvSpPr>
+          <p:nvPr>
+            <p:ph idx="1"/>
+          </p:nvPr>
+        </p:nvSpPr>
+        <p:spPr/>
+        <p:txBody>
+          <a:bodyPr/>
+          <a:lstStyle/>
+          <a:p>
+            <a:pPr>
+              <a:buFont typeface="Wingdings" panose="05000000000000000000" pitchFamily="2" charset="2"/>
+              <a:buChar char="v"/>
+            </a:pPr>
+            <a:r>
+              <a:rPr lang="en-US" altLang="ko-KR" sz="2400" dirty="0">
+                <a:latin typeface="나눔스퀘어" panose="020B0600000101010101" pitchFamily="50" charset="-127"/>
+                <a:ea typeface="나눔스퀘어" panose="020B0600000101010101" pitchFamily="50" charset="-127"/>
+              </a:rPr>
+              <a:t> </a:t>
+            </a:r>
+            <a:r>
+              <a:rPr lang="ko-KR" altLang="en-US" sz="2400" dirty="0">
+                <a:latin typeface="나눔스퀘어" panose="020B0600000101010101" pitchFamily="50" charset="-127"/>
+                <a:ea typeface="나눔스퀘어" panose="020B0600000101010101" pitchFamily="50" charset="-127"/>
+              </a:rPr>
+              <a:t>좌석 선택 </a:t>
+            </a:r>
+            <a:r>
+              <a:rPr lang="en-US" altLang="ko-KR" sz="2400" dirty="0">
+                <a:latin typeface="나눔스퀘어" panose="020B0600000101010101" pitchFamily="50" charset="-127"/>
+                <a:ea typeface="나눔스퀘어" panose="020B0600000101010101" pitchFamily="50" charset="-127"/>
+              </a:rPr>
+              <a:t>- </a:t>
+            </a:r>
+            <a:r>
+              <a:rPr lang="ko-KR" altLang="en-US" sz="2400" dirty="0">
+                <a:latin typeface="나눔스퀘어" panose="020B0600000101010101" pitchFamily="50" charset="-127"/>
+                <a:ea typeface="나눔스퀘어" panose="020B0600000101010101" pitchFamily="50" charset="-127"/>
+              </a:rPr>
+              <a:t>예매</a:t>
+            </a:r>
+            <a:endParaRPr lang="en-US" altLang="ko-KR" sz="2400" dirty="0">
+              <a:latin typeface="나눔스퀘어" panose="020B0600000101010101" pitchFamily="50" charset="-127"/>
+              <a:ea typeface="나눔스퀘어" panose="020B0600000101010101" pitchFamily="50" charset="-127"/>
+            </a:endParaRPr>
+          </a:p>
+          <a:p>
+            <a:pPr lvl="1">
+              <a:buFont typeface="Wingdings" panose="05000000000000000000" pitchFamily="2" charset="2"/>
+              <a:buChar char="Ø"/>
+            </a:pPr>
+            <a:r>
+              <a:rPr lang="en-US" altLang="ko-KR" sz="1800" dirty="0">
+                <a:latin typeface="나눔스퀘어" panose="020B0600000101010101" pitchFamily="50" charset="-127"/>
+                <a:ea typeface="나눔스퀘어" panose="020B0600000101010101" pitchFamily="50" charset="-127"/>
+              </a:rPr>
+              <a:t> 2</a:t>
+            </a:r>
+            <a:r>
+              <a:rPr lang="ko-KR" altLang="en-US" sz="1800" dirty="0">
+                <a:latin typeface="나눔스퀘어" panose="020B0600000101010101" pitchFamily="50" charset="-127"/>
+                <a:ea typeface="나눔스퀘어" panose="020B0600000101010101" pitchFamily="50" charset="-127"/>
+              </a:rPr>
+              <a:t>개 이상의 클라이언트에서 동시에 예매 할 경우</a:t>
+            </a:r>
+            <a:endParaRPr lang="en-US" altLang="ko-KR" sz="1600" dirty="0">
+              <a:latin typeface="나눔스퀘어" panose="020B0600000101010101" pitchFamily="50" charset="-127"/>
+              <a:ea typeface="나눔스퀘어" panose="020B0600000101010101" pitchFamily="50" charset="-127"/>
+            </a:endParaRPr>
+          </a:p>
+        </p:txBody>
+      </p:sp>
+      <p:pic>
+        <p:nvPicPr>
+          <p:cNvPr id="5" name="그림 4">
+            <a:extLst>
+              <a:ext uri="{FF2B5EF4-FFF2-40B4-BE49-F238E27FC236}">
+                <a16:creationId xmlns:a16="http://schemas.microsoft.com/office/drawing/2014/main" id="{D1600BFB-E4A7-4B93-BFCE-E0A85E8CDA21}"/>
+              </a:ext>
+            </a:extLst>
+          </p:cNvPr>
+          <p:cNvPicPr/>
+          <p:nvPr/>
+        </p:nvPicPr>
+        <p:blipFill>
+          <a:blip r:embed="rId2"/>
+          <a:stretch>
+            <a:fillRect/>
+          </a:stretch>
+        </p:blipFill>
+        <p:spPr>
+          <a:xfrm>
+            <a:off x="2125345" y="3093523"/>
+            <a:ext cx="7941310" cy="2907825"/>
+          </a:xfrm>
+          <a:prstGeom prst="rect">
+            <a:avLst/>
+          </a:prstGeom>
+          <a:ln w="12700">
+            <a:solidFill>
+              <a:schemeClr val="tx1"/>
+            </a:solidFill>
+          </a:ln>
+        </p:spPr>
+      </p:pic>
+      <p:sp>
+        <p:nvSpPr>
+          <p:cNvPr id="4" name="TextBox 3">
+            <a:extLst>
+              <a:ext uri="{FF2B5EF4-FFF2-40B4-BE49-F238E27FC236}">
+                <a16:creationId xmlns:a16="http://schemas.microsoft.com/office/drawing/2014/main" id="{45D65F22-3839-4F95-B825-C9F1CEA78D2D}"/>
+              </a:ext>
+            </a:extLst>
+          </p:cNvPr>
+          <p:cNvSpPr txBox="1"/>
+          <p:nvPr/>
+        </p:nvSpPr>
+        <p:spPr>
+          <a:xfrm>
+            <a:off x="2125345" y="6065240"/>
+            <a:ext cx="3814061" cy="307777"/>
+          </a:xfrm>
+          <a:prstGeom prst="rect">
+            <a:avLst/>
+          </a:prstGeom>
+          <a:noFill/>
+        </p:spPr>
+        <p:txBody>
+          <a:bodyPr wrap="square" rtlCol="0">
+            <a:spAutoFit/>
+          </a:bodyPr>
+          <a:lstStyle/>
+          <a:p>
+            <a:pPr algn="ctr"/>
+            <a:r>
+              <a:rPr lang="ko-KR" altLang="en-US" sz="1400" dirty="0">
+                <a:latin typeface="나눔스퀘어" panose="020B0600000101010101" pitchFamily="50" charset="-127"/>
+                <a:ea typeface="나눔스퀘어" panose="020B0600000101010101" pitchFamily="50" charset="-127"/>
+              </a:rPr>
+              <a:t>클라이언트 </a:t>
+            </a:r>
+            <a:r>
+              <a:rPr lang="en-US" altLang="ko-KR" sz="1400" dirty="0">
+                <a:latin typeface="나눔스퀘어" panose="020B0600000101010101" pitchFamily="50" charset="-127"/>
+                <a:ea typeface="나눔스퀘어" panose="020B0600000101010101" pitchFamily="50" charset="-127"/>
+              </a:rPr>
+              <a:t>1</a:t>
+            </a:r>
+            <a:endParaRPr lang="ko-KR" altLang="en-US" sz="1400" dirty="0">
+              <a:latin typeface="나눔스퀘어" panose="020B0600000101010101" pitchFamily="50" charset="-127"/>
+              <a:ea typeface="나눔스퀘어" panose="020B0600000101010101" pitchFamily="50" charset="-127"/>
+            </a:endParaRPr>
+          </a:p>
+        </p:txBody>
+      </p:sp>
+      <p:sp>
+        <p:nvSpPr>
+          <p:cNvPr id="8" name="TextBox 7">
+            <a:extLst>
+              <a:ext uri="{FF2B5EF4-FFF2-40B4-BE49-F238E27FC236}">
+                <a16:creationId xmlns:a16="http://schemas.microsoft.com/office/drawing/2014/main" id="{C287F579-8291-4DAB-9E8D-C15EF2271E6A}"/>
+              </a:ext>
+            </a:extLst>
+          </p:cNvPr>
+          <p:cNvSpPr txBox="1"/>
+          <p:nvPr/>
+        </p:nvSpPr>
+        <p:spPr>
+          <a:xfrm>
+            <a:off x="6091806" y="6019054"/>
+            <a:ext cx="3814061" cy="307777"/>
+          </a:xfrm>
+          <a:prstGeom prst="rect">
+            <a:avLst/>
+          </a:prstGeom>
+          <a:noFill/>
+        </p:spPr>
+        <p:txBody>
+          <a:bodyPr wrap="square" rtlCol="0">
+            <a:spAutoFit/>
+          </a:bodyPr>
+          <a:lstStyle/>
+          <a:p>
+            <a:pPr algn="ctr"/>
+            <a:r>
+              <a:rPr lang="ko-KR" altLang="en-US" sz="1400" dirty="0">
+                <a:latin typeface="나눔스퀘어" panose="020B0600000101010101" pitchFamily="50" charset="-127"/>
+                <a:ea typeface="나눔스퀘어" panose="020B0600000101010101" pitchFamily="50" charset="-127"/>
+              </a:rPr>
+              <a:t>클라이언트 </a:t>
+            </a:r>
+            <a:r>
+              <a:rPr lang="en-US" altLang="ko-KR" sz="1400" dirty="0">
+                <a:latin typeface="나눔스퀘어" panose="020B0600000101010101" pitchFamily="50" charset="-127"/>
+                <a:ea typeface="나눔스퀘어" panose="020B0600000101010101" pitchFamily="50" charset="-127"/>
+              </a:rPr>
+              <a:t>2</a:t>
+            </a:r>
+            <a:endParaRPr lang="ko-KR" altLang="en-US" sz="1400" dirty="0">
+              <a:latin typeface="나눔스퀘어" panose="020B0600000101010101" pitchFamily="50" charset="-127"/>
+              <a:ea typeface="나눔스퀘어" panose="020B0600000101010101" pitchFamily="50" charset="-127"/>
+            </a:endParaRPr>
+          </a:p>
+        </p:txBody>
+      </p:sp>
+    </p:spTree>
+    <p:extLst>
+      <p:ext uri="{BB962C8B-B14F-4D97-AF65-F5344CB8AC3E}">
+        <p14:creationId xmlns:p14="http://schemas.microsoft.com/office/powerpoint/2010/main" val="486322048"/>
+      </p:ext>
+    </p:extLst>
+  </p:cSld>
+  <p:clrMapOvr>
+    <a:masterClrMapping/>
+  </p:clrMapOvr>
+</p:sld>
+</file>
+
+<file path=ppt/slides/slide24.xml><?xml version="1.0" encoding="utf-8"?>
+<p:sld xmlns:a="http://schemas.openxmlformats.org/drawingml/2006/main" xmlns:r="http://schemas.openxmlformats.org/officeDocument/2006/relationships" xmlns:p="http://schemas.openxmlformats.org/presentationml/2006/main">
+  <p:cSld>
+    <p:spTree>
+      <p:nvGrpSpPr>
+        <p:cNvPr id="1" name=""/>
+        <p:cNvGrpSpPr/>
+        <p:nvPr/>
+      </p:nvGrpSpPr>
+      <p:grpSpPr>
+        <a:xfrm>
+          <a:off x="0" y="0"/>
+          <a:ext cx="0" cy="0"/>
+          <a:chOff x="0" y="0"/>
+          <a:chExt cx="0" cy="0"/>
+        </a:xfrm>
+      </p:grpSpPr>
+      <p:sp>
+        <p:nvSpPr>
+          <p:cNvPr id="2" name="제목 1">
+            <a:extLst>
+              <a:ext uri="{FF2B5EF4-FFF2-40B4-BE49-F238E27FC236}">
+                <a16:creationId xmlns:a16="http://schemas.microsoft.com/office/drawing/2014/main" id="{36E46BD5-9BF8-4A36-B399-C907B8D17343}"/>
+              </a:ext>
+            </a:extLst>
+          </p:cNvPr>
+          <p:cNvSpPr>
+            <a:spLocks noGrp="1"/>
+          </p:cNvSpPr>
+          <p:nvPr>
+            <p:ph type="title"/>
+          </p:nvPr>
+        </p:nvSpPr>
+        <p:spPr/>
+        <p:txBody>
+          <a:bodyPr>
+            <a:normAutofit/>
+          </a:bodyPr>
+          <a:lstStyle/>
+          <a:p>
+            <a:r>
+              <a:rPr lang="ko-KR" altLang="en-US" sz="4400" dirty="0">
+                <a:latin typeface="나눔스퀘어" panose="020B0600000101010101" pitchFamily="50" charset="-127"/>
+                <a:ea typeface="나눔스퀘어" panose="020B0600000101010101" pitchFamily="50" charset="-127"/>
+              </a:rPr>
+              <a:t>진행 상황</a:t>
+            </a:r>
+          </a:p>
+        </p:txBody>
+      </p:sp>
+      <p:sp>
+        <p:nvSpPr>
+          <p:cNvPr id="3" name="내용 개체 틀 2">
+            <a:extLst>
+              <a:ext uri="{FF2B5EF4-FFF2-40B4-BE49-F238E27FC236}">
+                <a16:creationId xmlns:a16="http://schemas.microsoft.com/office/drawing/2014/main" id="{CE680D33-7DE6-430A-91B0-F2A3DC91933B}"/>
+              </a:ext>
+            </a:extLst>
+          </p:cNvPr>
+          <p:cNvSpPr>
+            <a:spLocks noGrp="1"/>
+          </p:cNvSpPr>
+          <p:nvPr>
+            <p:ph idx="1"/>
+          </p:nvPr>
+        </p:nvSpPr>
+        <p:spPr/>
+        <p:txBody>
+          <a:bodyPr/>
+          <a:lstStyle/>
+          <a:p>
+            <a:pPr>
+              <a:buFont typeface="Wingdings" panose="05000000000000000000" pitchFamily="2" charset="2"/>
+              <a:buChar char="v"/>
+            </a:pPr>
+            <a:r>
+              <a:rPr lang="en-US" altLang="ko-KR" sz="2400" dirty="0">
+                <a:latin typeface="나눔스퀘어" panose="020B0600000101010101" pitchFamily="50" charset="-127"/>
+                <a:ea typeface="나눔스퀘어" panose="020B0600000101010101" pitchFamily="50" charset="-127"/>
+              </a:rPr>
+              <a:t> </a:t>
+            </a:r>
+            <a:r>
+              <a:rPr lang="ko-KR" altLang="en-US" sz="2400" dirty="0">
+                <a:latin typeface="나눔스퀘어" panose="020B0600000101010101" pitchFamily="50" charset="-127"/>
+                <a:ea typeface="나눔스퀘어" panose="020B0600000101010101" pitchFamily="50" charset="-127"/>
+              </a:rPr>
+              <a:t>좌석 선택 </a:t>
+            </a:r>
+            <a:r>
+              <a:rPr lang="en-US" altLang="ko-KR" sz="2400" dirty="0">
+                <a:latin typeface="나눔스퀘어" panose="020B0600000101010101" pitchFamily="50" charset="-127"/>
+                <a:ea typeface="나눔스퀘어" panose="020B0600000101010101" pitchFamily="50" charset="-127"/>
+              </a:rPr>
+              <a:t>- </a:t>
+            </a:r>
+            <a:r>
+              <a:rPr lang="ko-KR" altLang="en-US" sz="2400" dirty="0">
+                <a:latin typeface="나눔스퀘어" panose="020B0600000101010101" pitchFamily="50" charset="-127"/>
+                <a:ea typeface="나눔스퀘어" panose="020B0600000101010101" pitchFamily="50" charset="-127"/>
+              </a:rPr>
+              <a:t>예매</a:t>
+            </a:r>
+            <a:endParaRPr lang="en-US" altLang="ko-KR" sz="2400" dirty="0">
+              <a:latin typeface="나눔스퀘어" panose="020B0600000101010101" pitchFamily="50" charset="-127"/>
+              <a:ea typeface="나눔스퀘어" panose="020B0600000101010101" pitchFamily="50" charset="-127"/>
+            </a:endParaRPr>
+          </a:p>
+          <a:p>
+            <a:pPr lvl="1">
+              <a:buFont typeface="Wingdings" panose="05000000000000000000" pitchFamily="2" charset="2"/>
+              <a:buChar char="Ø"/>
+            </a:pPr>
+            <a:r>
+              <a:rPr lang="en-US" altLang="ko-KR" sz="1800" dirty="0">
+                <a:latin typeface="나눔스퀘어" panose="020B0600000101010101" pitchFamily="50" charset="-127"/>
+                <a:ea typeface="나눔스퀘어" panose="020B0600000101010101" pitchFamily="50" charset="-127"/>
+              </a:rPr>
+              <a:t> 2</a:t>
+            </a:r>
+            <a:r>
+              <a:rPr lang="ko-KR" altLang="en-US" sz="1800" dirty="0">
+                <a:latin typeface="나눔스퀘어" panose="020B0600000101010101" pitchFamily="50" charset="-127"/>
+                <a:ea typeface="나눔스퀘어" panose="020B0600000101010101" pitchFamily="50" charset="-127"/>
+              </a:rPr>
+              <a:t>개 이상의 클라이언트에서 동시에 예매 할 경우</a:t>
+            </a:r>
+            <a:endParaRPr lang="en-US" altLang="ko-KR" sz="1800" dirty="0">
+              <a:latin typeface="나눔스퀘어" panose="020B0600000101010101" pitchFamily="50" charset="-127"/>
+              <a:ea typeface="나눔스퀘어" panose="020B0600000101010101" pitchFamily="50" charset="-127"/>
+            </a:endParaRPr>
+          </a:p>
+          <a:p>
+            <a:pPr lvl="2">
+              <a:buFont typeface="Wingdings" panose="05000000000000000000" pitchFamily="2" charset="2"/>
+              <a:buChar char="§"/>
+            </a:pPr>
+            <a:r>
+              <a:rPr lang="en-US" altLang="ko-KR" sz="1600" dirty="0">
+                <a:latin typeface="나눔스퀘어" panose="020B0600000101010101" pitchFamily="50" charset="-127"/>
+                <a:ea typeface="나눔스퀘어" panose="020B0600000101010101" pitchFamily="50" charset="-127"/>
+              </a:rPr>
+              <a:t> </a:t>
+            </a:r>
+            <a:r>
+              <a:rPr lang="ko-KR" altLang="en-US" sz="1600" dirty="0">
+                <a:latin typeface="나눔스퀘어" panose="020B0600000101010101" pitchFamily="50" charset="-127"/>
+                <a:ea typeface="나눔스퀘어" panose="020B0600000101010101" pitchFamily="50" charset="-127"/>
+              </a:rPr>
+              <a:t>예매 확인 시 다시 </a:t>
+            </a:r>
+            <a:r>
+              <a:rPr lang="en-US" altLang="ko-KR" sz="1600" dirty="0">
+                <a:latin typeface="나눔스퀘어" panose="020B0600000101010101" pitchFamily="50" charset="-127"/>
+                <a:ea typeface="나눔스퀘어" panose="020B0600000101010101" pitchFamily="50" charset="-127"/>
+              </a:rPr>
+              <a:t>DB</a:t>
+            </a:r>
+            <a:r>
+              <a:rPr lang="ko-KR" altLang="en-US" sz="1600" dirty="0">
+                <a:latin typeface="나눔스퀘어" panose="020B0600000101010101" pitchFamily="50" charset="-127"/>
+                <a:ea typeface="나눔스퀘어" panose="020B0600000101010101" pitchFamily="50" charset="-127"/>
+              </a:rPr>
+              <a:t>에 좌석 조회</a:t>
+            </a:r>
+            <a:endParaRPr lang="en-US" altLang="ko-KR" sz="1600" dirty="0">
+              <a:latin typeface="나눔스퀘어" panose="020B0600000101010101" pitchFamily="50" charset="-127"/>
+              <a:ea typeface="나눔스퀘어" panose="020B0600000101010101" pitchFamily="50" charset="-127"/>
+            </a:endParaRPr>
+          </a:p>
+        </p:txBody>
+      </p:sp>
+      <p:sp>
+        <p:nvSpPr>
+          <p:cNvPr id="8" name="TextBox 7">
+            <a:extLst>
+              <a:ext uri="{FF2B5EF4-FFF2-40B4-BE49-F238E27FC236}">
+                <a16:creationId xmlns:a16="http://schemas.microsoft.com/office/drawing/2014/main" id="{C287F579-8291-4DAB-9E8D-C15EF2271E6A}"/>
+              </a:ext>
+            </a:extLst>
+          </p:cNvPr>
+          <p:cNvSpPr txBox="1"/>
+          <p:nvPr/>
+        </p:nvSpPr>
+        <p:spPr>
+          <a:xfrm>
+            <a:off x="1639069" y="6361872"/>
+            <a:ext cx="8913862" cy="307777"/>
+          </a:xfrm>
+          <a:prstGeom prst="rect">
+            <a:avLst/>
+          </a:prstGeom>
+          <a:noFill/>
+        </p:spPr>
+        <p:txBody>
+          <a:bodyPr wrap="square" rtlCol="0">
+            <a:spAutoFit/>
+          </a:bodyPr>
+          <a:lstStyle/>
+          <a:p>
+            <a:pPr algn="ctr"/>
+            <a:r>
+              <a:rPr lang="ko-KR" altLang="en-US" sz="1400" dirty="0">
+                <a:latin typeface="나눔스퀘어" panose="020B0600000101010101" pitchFamily="50" charset="-127"/>
+                <a:ea typeface="나눔스퀘어" panose="020B0600000101010101" pitchFamily="50" charset="-127"/>
+              </a:rPr>
+              <a:t>클라이언트 </a:t>
+            </a:r>
+            <a:r>
+              <a:rPr lang="en-US" altLang="ko-KR" sz="1400" dirty="0">
+                <a:latin typeface="나눔스퀘어" panose="020B0600000101010101" pitchFamily="50" charset="-127"/>
+                <a:ea typeface="나눔스퀘어" panose="020B0600000101010101" pitchFamily="50" charset="-127"/>
+              </a:rPr>
+              <a:t>2</a:t>
+            </a:r>
+            <a:endParaRPr lang="ko-KR" altLang="en-US" sz="1400" dirty="0">
+              <a:latin typeface="나눔스퀘어" panose="020B0600000101010101" pitchFamily="50" charset="-127"/>
+              <a:ea typeface="나눔스퀘어" panose="020B0600000101010101" pitchFamily="50" charset="-127"/>
+            </a:endParaRPr>
+          </a:p>
+        </p:txBody>
+      </p:sp>
+      <p:pic>
+        <p:nvPicPr>
+          <p:cNvPr id="9" name="그림 8">
+            <a:extLst>
+              <a:ext uri="{FF2B5EF4-FFF2-40B4-BE49-F238E27FC236}">
+                <a16:creationId xmlns:a16="http://schemas.microsoft.com/office/drawing/2014/main" id="{368DE1EC-809C-46AA-BB4B-4F9B3807B011}"/>
+              </a:ext>
+            </a:extLst>
+          </p:cNvPr>
+          <p:cNvPicPr/>
+          <p:nvPr/>
+        </p:nvPicPr>
+        <p:blipFill>
+          <a:blip r:embed="rId2"/>
+          <a:stretch>
+            <a:fillRect/>
+          </a:stretch>
+        </p:blipFill>
+        <p:spPr>
+          <a:xfrm>
+            <a:off x="1790069" y="3429000"/>
+            <a:ext cx="4127249" cy="2901305"/>
+          </a:xfrm>
+          <a:prstGeom prst="rect">
+            <a:avLst/>
+          </a:prstGeom>
+          <a:ln w="12700">
+            <a:solidFill>
+              <a:schemeClr val="tx1"/>
+            </a:solidFill>
+          </a:ln>
+        </p:spPr>
+      </p:pic>
+      <p:pic>
+        <p:nvPicPr>
+          <p:cNvPr id="10" name="그림 9">
+            <a:extLst>
+              <a:ext uri="{FF2B5EF4-FFF2-40B4-BE49-F238E27FC236}">
+                <a16:creationId xmlns:a16="http://schemas.microsoft.com/office/drawing/2014/main" id="{2783031C-AF10-4BB3-923A-6FB8110B41DC}"/>
+              </a:ext>
+            </a:extLst>
+          </p:cNvPr>
+          <p:cNvPicPr/>
+          <p:nvPr/>
+        </p:nvPicPr>
+        <p:blipFill>
+          <a:blip r:embed="rId3"/>
+          <a:stretch>
+            <a:fillRect/>
+          </a:stretch>
+        </p:blipFill>
+        <p:spPr>
+          <a:xfrm>
+            <a:off x="6274682" y="3429000"/>
+            <a:ext cx="4127249" cy="2900357"/>
+          </a:xfrm>
+          <a:prstGeom prst="rect">
+            <a:avLst/>
+          </a:prstGeom>
+          <a:ln w="12700">
+            <a:solidFill>
+              <a:schemeClr val="tx1"/>
+            </a:solidFill>
+          </a:ln>
+        </p:spPr>
+      </p:pic>
+    </p:spTree>
+    <p:extLst>
+      <p:ext uri="{BB962C8B-B14F-4D97-AF65-F5344CB8AC3E}">
+        <p14:creationId xmlns:p14="http://schemas.microsoft.com/office/powerpoint/2010/main" val="4087276146"/>
+      </p:ext>
+    </p:extLst>
+  </p:cSld>
+  <p:clrMapOvr>
+    <a:masterClrMapping/>
+  </p:clrMapOvr>
+</p:sld>
+</file>
+
+<file path=ppt/slides/slide25.xml><?xml version="1.0" encoding="utf-8"?>
+<p:sld xmlns:a="http://schemas.openxmlformats.org/drawingml/2006/main" xmlns:r="http://schemas.openxmlformats.org/officeDocument/2006/relationships" xmlns:p="http://schemas.openxmlformats.org/presentationml/2006/main">
+  <p:cSld>
+    <p:spTree>
+      <p:nvGrpSpPr>
+        <p:cNvPr id="1" name=""/>
+        <p:cNvGrpSpPr/>
+        <p:nvPr/>
+      </p:nvGrpSpPr>
+      <p:grpSpPr>
+        <a:xfrm>
+          <a:off x="0" y="0"/>
+          <a:ext cx="0" cy="0"/>
+          <a:chOff x="0" y="0"/>
+          <a:chExt cx="0" cy="0"/>
+        </a:xfrm>
+      </p:grpSpPr>
+      <p:sp>
+        <p:nvSpPr>
+          <p:cNvPr id="2" name="제목 1">
+            <a:extLst>
+              <a:ext uri="{FF2B5EF4-FFF2-40B4-BE49-F238E27FC236}">
+                <a16:creationId xmlns:a16="http://schemas.microsoft.com/office/drawing/2014/main" id="{36E46BD5-9BF8-4A36-B399-C907B8D17343}"/>
+              </a:ext>
+            </a:extLst>
+          </p:cNvPr>
+          <p:cNvSpPr>
+            <a:spLocks noGrp="1"/>
+          </p:cNvSpPr>
+          <p:nvPr>
+            <p:ph type="title"/>
+          </p:nvPr>
+        </p:nvSpPr>
+        <p:spPr/>
+        <p:txBody>
+          <a:bodyPr>
+            <a:normAutofit/>
+          </a:bodyPr>
+          <a:lstStyle/>
+          <a:p>
+            <a:r>
+              <a:rPr lang="ko-KR" altLang="en-US" sz="4400" dirty="0">
+                <a:latin typeface="나눔스퀘어" panose="020B0600000101010101" pitchFamily="50" charset="-127"/>
+                <a:ea typeface="나눔스퀘어" panose="020B0600000101010101" pitchFamily="50" charset="-127"/>
+              </a:rPr>
+              <a:t>진행 상황</a:t>
+            </a:r>
+          </a:p>
+        </p:txBody>
+      </p:sp>
+      <p:sp>
+        <p:nvSpPr>
+          <p:cNvPr id="3" name="내용 개체 틀 2">
+            <a:extLst>
+              <a:ext uri="{FF2B5EF4-FFF2-40B4-BE49-F238E27FC236}">
+                <a16:creationId xmlns:a16="http://schemas.microsoft.com/office/drawing/2014/main" id="{CE680D33-7DE6-430A-91B0-F2A3DC91933B}"/>
+              </a:ext>
+            </a:extLst>
+          </p:cNvPr>
+          <p:cNvSpPr>
+            <a:spLocks noGrp="1"/>
+          </p:cNvSpPr>
+          <p:nvPr>
+            <p:ph idx="1"/>
+          </p:nvPr>
+        </p:nvSpPr>
+        <p:spPr/>
+        <p:txBody>
+          <a:bodyPr/>
+          <a:lstStyle/>
+          <a:p>
+            <a:pPr>
+              <a:buFont typeface="Wingdings" panose="05000000000000000000" pitchFamily="2" charset="2"/>
+              <a:buChar char="v"/>
+            </a:pPr>
+            <a:endParaRPr lang="en-US" altLang="ko-KR" sz="2400" dirty="0">
+              <a:latin typeface="나눔스퀘어" panose="020B0600000101010101" pitchFamily="50" charset="-127"/>
+              <a:ea typeface="나눔스퀘어" panose="020B0600000101010101" pitchFamily="50" charset="-127"/>
+            </a:endParaRPr>
+          </a:p>
+          <a:p>
+            <a:pPr>
+              <a:buFont typeface="Wingdings" panose="05000000000000000000" pitchFamily="2" charset="2"/>
+              <a:buChar char="v"/>
+            </a:pPr>
+            <a:endParaRPr lang="en-US" altLang="ko-KR" sz="2400" dirty="0">
+              <a:latin typeface="나눔스퀘어" panose="020B0600000101010101" pitchFamily="50" charset="-127"/>
+              <a:ea typeface="나눔스퀘어" panose="020B0600000101010101" pitchFamily="50" charset="-127"/>
+            </a:endParaRPr>
+          </a:p>
+          <a:p>
+            <a:pPr lvl="1">
+              <a:buFont typeface="Wingdings" panose="05000000000000000000" pitchFamily="2" charset="2"/>
+              <a:buChar char="v"/>
+            </a:pPr>
+            <a:endParaRPr lang="en-US" altLang="ko-KR" sz="1800" dirty="0">
+              <a:latin typeface="나눔스퀘어" panose="020B0600000101010101" pitchFamily="50" charset="-127"/>
+              <a:ea typeface="나눔스퀘어" panose="020B0600000101010101" pitchFamily="50" charset="-127"/>
+            </a:endParaRPr>
+          </a:p>
+          <a:p>
+            <a:pPr>
+              <a:buFont typeface="Wingdings" panose="05000000000000000000" pitchFamily="2" charset="2"/>
+              <a:buChar char="v"/>
+            </a:pPr>
+            <a:r>
+              <a:rPr lang="en-US" altLang="ko-KR" sz="2400" dirty="0">
+                <a:latin typeface="나눔스퀘어" panose="020B0600000101010101" pitchFamily="50" charset="-127"/>
+                <a:ea typeface="나눔스퀘어" panose="020B0600000101010101" pitchFamily="50" charset="-127"/>
+              </a:rPr>
+              <a:t> </a:t>
+            </a:r>
+            <a:r>
+              <a:rPr lang="ko-KR" altLang="en-US" sz="2400" dirty="0">
+                <a:latin typeface="나눔스퀘어" panose="020B0600000101010101" pitchFamily="50" charset="-127"/>
+                <a:ea typeface="나눔스퀘어" panose="020B0600000101010101" pitchFamily="50" charset="-127"/>
+              </a:rPr>
+              <a:t>승차권 확인</a:t>
+            </a:r>
+            <a:endParaRPr lang="en-US" altLang="ko-KR" sz="2400" dirty="0">
+              <a:latin typeface="나눔스퀘어" panose="020B0600000101010101" pitchFamily="50" charset="-127"/>
+              <a:ea typeface="나눔스퀘어" panose="020B0600000101010101" pitchFamily="50" charset="-127"/>
+            </a:endParaRPr>
+          </a:p>
+          <a:p>
+            <a:pPr lvl="1">
+              <a:buFont typeface="Wingdings" panose="05000000000000000000" pitchFamily="2" charset="2"/>
+              <a:buChar char="Ø"/>
+            </a:pPr>
+            <a:r>
+              <a:rPr lang="en-US" altLang="ko-KR" sz="1800" dirty="0">
+                <a:latin typeface="나눔스퀘어" panose="020B0600000101010101" pitchFamily="50" charset="-127"/>
+                <a:ea typeface="나눔스퀘어" panose="020B0600000101010101" pitchFamily="50" charset="-127"/>
+              </a:rPr>
+              <a:t> </a:t>
+            </a:r>
+            <a:r>
+              <a:rPr lang="ko-KR" altLang="en-US" sz="1800" dirty="0" err="1">
+                <a:latin typeface="나눔스퀘어" panose="020B0600000101010101" pitchFamily="50" charset="-127"/>
+                <a:ea typeface="나눔스퀘어" panose="020B0600000101010101" pitchFamily="50" charset="-127"/>
+              </a:rPr>
+              <a:t>출발역</a:t>
+            </a:r>
+            <a:r>
+              <a:rPr lang="en-US" altLang="ko-KR" sz="1800" dirty="0">
+                <a:latin typeface="나눔스퀘어" panose="020B0600000101010101" pitchFamily="50" charset="-127"/>
+                <a:ea typeface="나눔스퀘어" panose="020B0600000101010101" pitchFamily="50" charset="-127"/>
+              </a:rPr>
+              <a:t>, </a:t>
+            </a:r>
+            <a:r>
+              <a:rPr lang="ko-KR" altLang="en-US" sz="1800" dirty="0" err="1">
+                <a:latin typeface="나눔스퀘어" panose="020B0600000101010101" pitchFamily="50" charset="-127"/>
+                <a:ea typeface="나눔스퀘어" panose="020B0600000101010101" pitchFamily="50" charset="-127"/>
+              </a:rPr>
+              <a:t>도착역</a:t>
+            </a:r>
+            <a:r>
+              <a:rPr lang="ko-KR" altLang="en-US" sz="1800" dirty="0">
+                <a:latin typeface="나눔스퀘어" panose="020B0600000101010101" pitchFamily="50" charset="-127"/>
+                <a:ea typeface="나눔스퀘어" panose="020B0600000101010101" pitchFamily="50" charset="-127"/>
+              </a:rPr>
+              <a:t> </a:t>
+            </a:r>
+            <a:r>
+              <a:rPr lang="en-US" altLang="ko-KR" sz="1800" dirty="0">
+                <a:latin typeface="나눔스퀘어" panose="020B0600000101010101" pitchFamily="50" charset="-127"/>
+                <a:ea typeface="나눔스퀘어" panose="020B0600000101010101" pitchFamily="50" charset="-127"/>
+              </a:rPr>
+              <a:t>/</a:t>
+            </a:r>
+            <a:r>
+              <a:rPr lang="ko-KR" altLang="en-US" sz="1800" dirty="0">
+                <a:latin typeface="나눔스퀘어" panose="020B0600000101010101" pitchFamily="50" charset="-127"/>
+                <a:ea typeface="나눔스퀘어" panose="020B0600000101010101" pitchFamily="50" charset="-127"/>
+              </a:rPr>
+              <a:t> 날짜</a:t>
+            </a:r>
+            <a:r>
+              <a:rPr lang="en-US" altLang="ko-KR" sz="1800" dirty="0">
+                <a:latin typeface="나눔스퀘어" panose="020B0600000101010101" pitchFamily="50" charset="-127"/>
+                <a:ea typeface="나눔스퀘어" panose="020B0600000101010101" pitchFamily="50" charset="-127"/>
+              </a:rPr>
+              <a:t> / </a:t>
+            </a:r>
+            <a:r>
+              <a:rPr lang="ko-KR" altLang="en-US" sz="1800" dirty="0">
+                <a:latin typeface="나눔스퀘어" panose="020B0600000101010101" pitchFamily="50" charset="-127"/>
+                <a:ea typeface="나눔스퀘어" panose="020B0600000101010101" pitchFamily="50" charset="-127"/>
+              </a:rPr>
+              <a:t>출발 시간</a:t>
+            </a:r>
+            <a:r>
+              <a:rPr lang="en-US" altLang="ko-KR" sz="1800" dirty="0">
+                <a:latin typeface="나눔스퀘어" panose="020B0600000101010101" pitchFamily="50" charset="-127"/>
+                <a:ea typeface="나눔스퀘어" panose="020B0600000101010101" pitchFamily="50" charset="-127"/>
+              </a:rPr>
+              <a:t> / </a:t>
+            </a:r>
+            <a:r>
+              <a:rPr lang="ko-KR" altLang="en-US" sz="1800" dirty="0">
+                <a:latin typeface="나눔스퀘어" panose="020B0600000101010101" pitchFamily="50" charset="-127"/>
+                <a:ea typeface="나눔스퀘어" panose="020B0600000101010101" pitchFamily="50" charset="-127"/>
+              </a:rPr>
+              <a:t>인원</a:t>
+            </a:r>
+            <a:endParaRPr lang="en-US" altLang="ko-KR" sz="1800" dirty="0">
+              <a:latin typeface="나눔스퀘어" panose="020B0600000101010101" pitchFamily="50" charset="-127"/>
+              <a:ea typeface="나눔스퀘어" panose="020B0600000101010101" pitchFamily="50" charset="-127"/>
+            </a:endParaRPr>
+          </a:p>
+          <a:p>
+            <a:pPr lvl="1">
+              <a:buFont typeface="Wingdings" panose="05000000000000000000" pitchFamily="2" charset="2"/>
+              <a:buChar char="Ø"/>
+            </a:pPr>
+            <a:r>
+              <a:rPr lang="en-US" altLang="ko-KR" sz="1800" dirty="0">
+                <a:latin typeface="나눔스퀘어" panose="020B0600000101010101" pitchFamily="50" charset="-127"/>
+                <a:ea typeface="나눔스퀘어" panose="020B0600000101010101" pitchFamily="50" charset="-127"/>
+              </a:rPr>
+              <a:t> </a:t>
+            </a:r>
+            <a:r>
+              <a:rPr lang="ko-KR" altLang="en-US" sz="1800" dirty="0">
+                <a:latin typeface="나눔스퀘어" panose="020B0600000101010101" pitchFamily="50" charset="-127"/>
+                <a:ea typeface="나눔스퀘어" panose="020B0600000101010101" pitchFamily="50" charset="-127"/>
+              </a:rPr>
+              <a:t>상세보기 버튼으로 상세보기 가능</a:t>
+            </a:r>
+            <a:endParaRPr lang="en-US" altLang="ko-KR" sz="1800" dirty="0">
+              <a:latin typeface="나눔스퀘어" panose="020B0600000101010101" pitchFamily="50" charset="-127"/>
+              <a:ea typeface="나눔스퀘어" panose="020B0600000101010101" pitchFamily="50" charset="-127"/>
+            </a:endParaRPr>
+          </a:p>
+        </p:txBody>
+      </p:sp>
+      <p:pic>
+        <p:nvPicPr>
+          <p:cNvPr id="8" name="그림 7">
+            <a:extLst>
+              <a:ext uri="{FF2B5EF4-FFF2-40B4-BE49-F238E27FC236}">
+                <a16:creationId xmlns:a16="http://schemas.microsoft.com/office/drawing/2014/main" id="{4A070211-1DC7-4614-9D58-05C450FE0A6C}"/>
+              </a:ext>
+            </a:extLst>
+          </p:cNvPr>
+          <p:cNvPicPr>
+            <a:picLocks noChangeAspect="1"/>
+          </p:cNvPicPr>
+          <p:nvPr/>
+        </p:nvPicPr>
+        <p:blipFill>
+          <a:blip r:embed="rId2"/>
+          <a:stretch>
+            <a:fillRect/>
+          </a:stretch>
+        </p:blipFill>
+        <p:spPr>
+          <a:xfrm>
+            <a:off x="6026692" y="2637850"/>
+            <a:ext cx="5289959" cy="3717993"/>
+          </a:xfrm>
+          <a:prstGeom prst="rect">
+            <a:avLst/>
+          </a:prstGeom>
+          <a:ln w="12700">
+            <a:solidFill>
+              <a:schemeClr val="tx1"/>
+            </a:solidFill>
+          </a:ln>
+        </p:spPr>
+      </p:pic>
+    </p:spTree>
+    <p:extLst>
+      <p:ext uri="{BB962C8B-B14F-4D97-AF65-F5344CB8AC3E}">
+        <p14:creationId xmlns:p14="http://schemas.microsoft.com/office/powerpoint/2010/main" val="2994228662"/>
+      </p:ext>
+    </p:extLst>
+  </p:cSld>
+  <p:clrMapOvr>
+    <a:masterClrMapping/>
+  </p:clrMapOvr>
+</p:sld>
+</file>
+
+<file path=ppt/slides/slide26.xml><?xml version="1.0" encoding="utf-8"?>
+<p:sld xmlns:a="http://schemas.openxmlformats.org/drawingml/2006/main" xmlns:r="http://schemas.openxmlformats.org/officeDocument/2006/relationships" xmlns:p="http://schemas.openxmlformats.org/presentationml/2006/main">
+  <p:cSld>
+    <p:spTree>
+      <p:nvGrpSpPr>
+        <p:cNvPr id="1" name=""/>
+        <p:cNvGrpSpPr/>
+        <p:nvPr/>
+      </p:nvGrpSpPr>
+      <p:grpSpPr>
+        <a:xfrm>
+          <a:off x="0" y="0"/>
+          <a:ext cx="0" cy="0"/>
+          <a:chOff x="0" y="0"/>
+          <a:chExt cx="0" cy="0"/>
+        </a:xfrm>
+      </p:grpSpPr>
+      <p:pic>
+        <p:nvPicPr>
+          <p:cNvPr id="5" name="그림 4">
+            <a:extLst>
+              <a:ext uri="{FF2B5EF4-FFF2-40B4-BE49-F238E27FC236}">
+                <a16:creationId xmlns:a16="http://schemas.microsoft.com/office/drawing/2014/main" id="{89481494-5270-4DCF-AF0B-89FB627803ED}"/>
+              </a:ext>
+            </a:extLst>
+          </p:cNvPr>
+          <p:cNvPicPr>
+            <a:picLocks noChangeAspect="1"/>
+          </p:cNvPicPr>
+          <p:nvPr/>
+        </p:nvPicPr>
+        <p:blipFill>
+          <a:blip r:embed="rId2"/>
+          <a:stretch>
+            <a:fillRect/>
+          </a:stretch>
+        </p:blipFill>
+        <p:spPr>
+          <a:xfrm>
+            <a:off x="3451021" y="2772073"/>
+            <a:ext cx="5289958" cy="3717993"/>
+          </a:xfrm>
+          <a:prstGeom prst="rect">
+            <a:avLst/>
+          </a:prstGeom>
+          <a:ln w="12700">
+            <a:solidFill>
+              <a:schemeClr val="tx1"/>
+            </a:solidFill>
+          </a:ln>
+        </p:spPr>
+      </p:pic>
+      <p:sp>
+        <p:nvSpPr>
+          <p:cNvPr id="2" name="제목 1">
+            <a:extLst>
+              <a:ext uri="{FF2B5EF4-FFF2-40B4-BE49-F238E27FC236}">
+                <a16:creationId xmlns:a16="http://schemas.microsoft.com/office/drawing/2014/main" id="{36E46BD5-9BF8-4A36-B399-C907B8D17343}"/>
+              </a:ext>
+            </a:extLst>
+          </p:cNvPr>
+          <p:cNvSpPr>
+            <a:spLocks noGrp="1"/>
+          </p:cNvSpPr>
+          <p:nvPr>
+            <p:ph type="title"/>
+          </p:nvPr>
+        </p:nvSpPr>
+        <p:spPr/>
+        <p:txBody>
+          <a:bodyPr>
+            <a:normAutofit/>
+          </a:bodyPr>
+          <a:lstStyle/>
+          <a:p>
+            <a:r>
+              <a:rPr lang="ko-KR" altLang="en-US" sz="4400" dirty="0">
+                <a:latin typeface="나눔스퀘어" panose="020B0600000101010101" pitchFamily="50" charset="-127"/>
+                <a:ea typeface="나눔스퀘어" panose="020B0600000101010101" pitchFamily="50" charset="-127"/>
+              </a:rPr>
+              <a:t>진행 상황</a:t>
+            </a:r>
+          </a:p>
+        </p:txBody>
+      </p:sp>
+      <p:sp>
+        <p:nvSpPr>
+          <p:cNvPr id="3" name="내용 개체 틀 2">
+            <a:extLst>
+              <a:ext uri="{FF2B5EF4-FFF2-40B4-BE49-F238E27FC236}">
+                <a16:creationId xmlns:a16="http://schemas.microsoft.com/office/drawing/2014/main" id="{CE680D33-7DE6-430A-91B0-F2A3DC91933B}"/>
+              </a:ext>
+            </a:extLst>
+          </p:cNvPr>
+          <p:cNvSpPr>
+            <a:spLocks noGrp="1"/>
+          </p:cNvSpPr>
+          <p:nvPr>
+            <p:ph idx="1"/>
+          </p:nvPr>
+        </p:nvSpPr>
+        <p:spPr/>
+        <p:txBody>
+          <a:bodyPr/>
+          <a:lstStyle/>
+          <a:p>
+            <a:pPr>
+              <a:buFont typeface="Wingdings" panose="05000000000000000000" pitchFamily="2" charset="2"/>
+              <a:buChar char="v"/>
+            </a:pPr>
+            <a:r>
+              <a:rPr lang="en-US" altLang="ko-KR" sz="2400" dirty="0">
+                <a:latin typeface="나눔스퀘어" panose="020B0600000101010101" pitchFamily="50" charset="-127"/>
+                <a:ea typeface="나눔스퀘어" panose="020B0600000101010101" pitchFamily="50" charset="-127"/>
+              </a:rPr>
+              <a:t> </a:t>
+            </a:r>
+            <a:r>
+              <a:rPr lang="ko-KR" altLang="en-US" sz="2400" dirty="0">
+                <a:latin typeface="나눔스퀘어" panose="020B0600000101010101" pitchFamily="50" charset="-127"/>
+                <a:ea typeface="나눔스퀘어" panose="020B0600000101010101" pitchFamily="50" charset="-127"/>
+              </a:rPr>
+              <a:t>승차권 확인 </a:t>
+            </a:r>
+            <a:r>
+              <a:rPr lang="en-US" altLang="ko-KR" sz="2400" dirty="0">
+                <a:latin typeface="나눔스퀘어" panose="020B0600000101010101" pitchFamily="50" charset="-127"/>
+                <a:ea typeface="나눔스퀘어" panose="020B0600000101010101" pitchFamily="50" charset="-127"/>
+              </a:rPr>
+              <a:t>- </a:t>
+            </a:r>
+            <a:r>
+              <a:rPr lang="ko-KR" altLang="en-US" sz="2400" dirty="0">
+                <a:latin typeface="나눔스퀘어" panose="020B0600000101010101" pitchFamily="50" charset="-127"/>
+                <a:ea typeface="나눔스퀘어" panose="020B0600000101010101" pitchFamily="50" charset="-127"/>
+              </a:rPr>
+              <a:t>상세보기</a:t>
+            </a:r>
+            <a:endParaRPr lang="en-US" altLang="ko-KR" sz="2400" dirty="0">
+              <a:latin typeface="나눔스퀘어" panose="020B0600000101010101" pitchFamily="50" charset="-127"/>
+              <a:ea typeface="나눔스퀘어" panose="020B0600000101010101" pitchFamily="50" charset="-127"/>
+            </a:endParaRPr>
+          </a:p>
+          <a:p>
+            <a:pPr lvl="1">
+              <a:buFont typeface="Wingdings" panose="05000000000000000000" pitchFamily="2" charset="2"/>
+              <a:buChar char="Ø"/>
+            </a:pPr>
+            <a:endParaRPr lang="en-US" altLang="ko-KR" sz="1800" dirty="0">
+              <a:latin typeface="나눔스퀘어" panose="020B0600000101010101" pitchFamily="50" charset="-127"/>
+              <a:ea typeface="나눔스퀘어" panose="020B0600000101010101" pitchFamily="50" charset="-127"/>
+            </a:endParaRPr>
+          </a:p>
+        </p:txBody>
+      </p:sp>
+    </p:spTree>
+    <p:extLst>
+      <p:ext uri="{BB962C8B-B14F-4D97-AF65-F5344CB8AC3E}">
+        <p14:creationId xmlns:p14="http://schemas.microsoft.com/office/powerpoint/2010/main" val="2770388333"/>
+      </p:ext>
+    </p:extLst>
+  </p:cSld>
+  <p:clrMapOvr>
+    <a:masterClrMapping/>
+  </p:clrMapOvr>
+</p:sld>
+</file>
+
+<file path=ppt/slides/slide27.xml><?xml version="1.0" encoding="utf-8"?>
+<p:sld xmlns:a="http://schemas.openxmlformats.org/drawingml/2006/main" xmlns:r="http://schemas.openxmlformats.org/officeDocument/2006/relationships" xmlns:p="http://schemas.openxmlformats.org/presentationml/2006/main">
+  <p:cSld>
+    <p:spTree>
+      <p:nvGrpSpPr>
+        <p:cNvPr id="1" name=""/>
+        <p:cNvGrpSpPr/>
+        <p:nvPr/>
+      </p:nvGrpSpPr>
+      <p:grpSpPr>
+        <a:xfrm>
+          <a:off x="0" y="0"/>
+          <a:ext cx="0" cy="0"/>
+          <a:chOff x="0" y="0"/>
+          <a:chExt cx="0" cy="0"/>
+        </a:xfrm>
+      </p:grpSpPr>
+      <p:pic>
+        <p:nvPicPr>
+          <p:cNvPr id="7" name="그림 6">
+            <a:extLst>
+              <a:ext uri="{FF2B5EF4-FFF2-40B4-BE49-F238E27FC236}">
+                <a16:creationId xmlns:a16="http://schemas.microsoft.com/office/drawing/2014/main" id="{D434EF86-915B-4B71-B3E5-A24A35DCDFB5}"/>
+              </a:ext>
+            </a:extLst>
+          </p:cNvPr>
+          <p:cNvPicPr>
+            <a:picLocks noChangeAspect="1"/>
+          </p:cNvPicPr>
+          <p:nvPr/>
+        </p:nvPicPr>
+        <p:blipFill>
+          <a:blip r:embed="rId2"/>
+          <a:stretch>
+            <a:fillRect/>
+          </a:stretch>
+        </p:blipFill>
+        <p:spPr>
+          <a:xfrm>
+            <a:off x="1111104" y="3284252"/>
+            <a:ext cx="4695827" cy="3300413"/>
+          </a:xfrm>
+          <a:prstGeom prst="rect">
+            <a:avLst/>
+          </a:prstGeom>
+          <a:ln w="12700">
+            <a:solidFill>
+              <a:schemeClr val="tx1"/>
+            </a:solidFill>
+          </a:ln>
+        </p:spPr>
+      </p:pic>
+      <p:sp>
+        <p:nvSpPr>
+          <p:cNvPr id="2" name="제목 1">
+            <a:extLst>
+              <a:ext uri="{FF2B5EF4-FFF2-40B4-BE49-F238E27FC236}">
+                <a16:creationId xmlns:a16="http://schemas.microsoft.com/office/drawing/2014/main" id="{36E46BD5-9BF8-4A36-B399-C907B8D17343}"/>
+              </a:ext>
+            </a:extLst>
+          </p:cNvPr>
+          <p:cNvSpPr>
+            <a:spLocks noGrp="1"/>
+          </p:cNvSpPr>
+          <p:nvPr>
+            <p:ph type="title"/>
+          </p:nvPr>
+        </p:nvSpPr>
+        <p:spPr/>
+        <p:txBody>
+          <a:bodyPr>
+            <a:normAutofit/>
+          </a:bodyPr>
+          <a:lstStyle/>
+          <a:p>
+            <a:r>
+              <a:rPr lang="ko-KR" altLang="en-US" sz="4400" dirty="0">
+                <a:latin typeface="나눔스퀘어" panose="020B0600000101010101" pitchFamily="50" charset="-127"/>
+                <a:ea typeface="나눔스퀘어" panose="020B0600000101010101" pitchFamily="50" charset="-127"/>
+              </a:rPr>
+              <a:t>진행 상황</a:t>
+            </a:r>
+          </a:p>
+        </p:txBody>
+      </p:sp>
+      <p:sp>
+        <p:nvSpPr>
+          <p:cNvPr id="3" name="내용 개체 틀 2">
+            <a:extLst>
+              <a:ext uri="{FF2B5EF4-FFF2-40B4-BE49-F238E27FC236}">
+                <a16:creationId xmlns:a16="http://schemas.microsoft.com/office/drawing/2014/main" id="{CE680D33-7DE6-430A-91B0-F2A3DC91933B}"/>
+              </a:ext>
+            </a:extLst>
+          </p:cNvPr>
+          <p:cNvSpPr>
+            <a:spLocks noGrp="1"/>
+          </p:cNvSpPr>
+          <p:nvPr>
+            <p:ph idx="1"/>
+          </p:nvPr>
+        </p:nvSpPr>
+        <p:spPr/>
+        <p:txBody>
+          <a:bodyPr/>
+          <a:lstStyle/>
+          <a:p>
+            <a:pPr>
+              <a:buFont typeface="Wingdings" panose="05000000000000000000" pitchFamily="2" charset="2"/>
+              <a:buChar char="v"/>
+            </a:pPr>
+            <a:r>
+              <a:rPr lang="en-US" altLang="ko-KR" sz="2400" dirty="0">
+                <a:latin typeface="나눔스퀘어" panose="020B0600000101010101" pitchFamily="50" charset="-127"/>
+                <a:ea typeface="나눔스퀘어" panose="020B0600000101010101" pitchFamily="50" charset="-127"/>
+              </a:rPr>
+              <a:t> </a:t>
+            </a:r>
+            <a:r>
+              <a:rPr lang="ko-KR" altLang="en-US" sz="2400" dirty="0">
+                <a:latin typeface="나눔스퀘어" panose="020B0600000101010101" pitchFamily="50" charset="-127"/>
+                <a:ea typeface="나눔스퀘어" panose="020B0600000101010101" pitchFamily="50" charset="-127"/>
+              </a:rPr>
+              <a:t>승차권 확인 </a:t>
+            </a:r>
+            <a:r>
+              <a:rPr lang="en-US" altLang="ko-KR" sz="2400" dirty="0">
+                <a:latin typeface="나눔스퀘어" panose="020B0600000101010101" pitchFamily="50" charset="-127"/>
+                <a:ea typeface="나눔스퀘어" panose="020B0600000101010101" pitchFamily="50" charset="-127"/>
+              </a:rPr>
+              <a:t>– </a:t>
+            </a:r>
+            <a:r>
+              <a:rPr lang="ko-KR" altLang="en-US" sz="2400" dirty="0">
+                <a:latin typeface="나눔스퀘어" panose="020B0600000101010101" pitchFamily="50" charset="-127"/>
+                <a:ea typeface="나눔스퀘어" panose="020B0600000101010101" pitchFamily="50" charset="-127"/>
+              </a:rPr>
+              <a:t>예매 취소</a:t>
+            </a:r>
+            <a:endParaRPr lang="en-US" altLang="ko-KR" sz="2400" dirty="0">
+              <a:latin typeface="나눔스퀘어" panose="020B0600000101010101" pitchFamily="50" charset="-127"/>
+              <a:ea typeface="나눔스퀘어" panose="020B0600000101010101" pitchFamily="50" charset="-127"/>
+            </a:endParaRPr>
+          </a:p>
+          <a:p>
+            <a:pPr lvl="1">
+              <a:buFont typeface="Wingdings" panose="05000000000000000000" pitchFamily="2" charset="2"/>
+              <a:buChar char="Ø"/>
+            </a:pPr>
+            <a:r>
+              <a:rPr lang="en-US" altLang="ko-KR" sz="1800" dirty="0">
+                <a:latin typeface="나눔스퀘어" panose="020B0600000101010101" pitchFamily="50" charset="-127"/>
+                <a:ea typeface="나눔스퀘어" panose="020B0600000101010101" pitchFamily="50" charset="-127"/>
+              </a:rPr>
+              <a:t> </a:t>
+            </a:r>
+            <a:r>
+              <a:rPr lang="ko-KR" altLang="en-US" sz="1800" dirty="0">
+                <a:latin typeface="나눔스퀘어" panose="020B0600000101010101" pitchFamily="50" charset="-127"/>
+                <a:ea typeface="나눔스퀘어" panose="020B0600000101010101" pitchFamily="50" charset="-127"/>
+              </a:rPr>
+              <a:t>우 클릭을 통해 예매 취소 가능</a:t>
+            </a:r>
+            <a:endParaRPr lang="en-US" altLang="ko-KR" sz="1800" dirty="0">
+              <a:latin typeface="나눔스퀘어" panose="020B0600000101010101" pitchFamily="50" charset="-127"/>
+              <a:ea typeface="나눔스퀘어" panose="020B0600000101010101" pitchFamily="50" charset="-127"/>
+            </a:endParaRPr>
+          </a:p>
+          <a:p>
+            <a:pPr lvl="2">
+              <a:buFont typeface="Wingdings" panose="05000000000000000000" pitchFamily="2" charset="2"/>
+              <a:buChar char="§"/>
+            </a:pPr>
+            <a:r>
+              <a:rPr lang="en-US" altLang="ko-KR" sz="1600" dirty="0">
+                <a:latin typeface="나눔스퀘어" panose="020B0600000101010101" pitchFamily="50" charset="-127"/>
+                <a:ea typeface="나눔스퀘어" panose="020B0600000101010101" pitchFamily="50" charset="-127"/>
+              </a:rPr>
+              <a:t> </a:t>
+            </a:r>
+            <a:r>
+              <a:rPr lang="en-US" altLang="ko-KR" sz="1600" dirty="0" err="1">
+                <a:latin typeface="나눔스퀘어" panose="020B0600000101010101" pitchFamily="50" charset="-127"/>
+                <a:ea typeface="나눔스퀘어" panose="020B0600000101010101" pitchFamily="50" charset="-127"/>
+              </a:rPr>
+              <a:t>JPopupMenu</a:t>
+            </a:r>
+            <a:endParaRPr lang="en-US" altLang="ko-KR" sz="1600" dirty="0">
+              <a:latin typeface="나눔스퀘어" panose="020B0600000101010101" pitchFamily="50" charset="-127"/>
+              <a:ea typeface="나눔스퀘어" panose="020B0600000101010101" pitchFamily="50" charset="-127"/>
+            </a:endParaRPr>
+          </a:p>
+        </p:txBody>
+      </p:sp>
+      <p:pic>
+        <p:nvPicPr>
+          <p:cNvPr id="10" name="그림 9">
+            <a:extLst>
+              <a:ext uri="{FF2B5EF4-FFF2-40B4-BE49-F238E27FC236}">
+                <a16:creationId xmlns:a16="http://schemas.microsoft.com/office/drawing/2014/main" id="{80300FE2-4667-4EC3-B0A4-4F05FAC0DD5F}"/>
+              </a:ext>
+            </a:extLst>
+          </p:cNvPr>
+          <p:cNvPicPr>
+            <a:picLocks noChangeAspect="1"/>
+          </p:cNvPicPr>
+          <p:nvPr/>
+        </p:nvPicPr>
+        <p:blipFill>
+          <a:blip r:embed="rId3"/>
+          <a:stretch>
+            <a:fillRect/>
+          </a:stretch>
+        </p:blipFill>
+        <p:spPr>
+          <a:xfrm>
+            <a:off x="6385071" y="3284252"/>
+            <a:ext cx="4695825" cy="3300413"/>
+          </a:xfrm>
+          <a:prstGeom prst="rect">
+            <a:avLst/>
+          </a:prstGeom>
+          <a:ln w="12700">
+            <a:solidFill>
+              <a:schemeClr val="tx1"/>
+            </a:solidFill>
+          </a:ln>
+        </p:spPr>
+      </p:pic>
+    </p:spTree>
+    <p:extLst>
+      <p:ext uri="{BB962C8B-B14F-4D97-AF65-F5344CB8AC3E}">
+        <p14:creationId xmlns:p14="http://schemas.microsoft.com/office/powerpoint/2010/main" val="621509976"/>
+      </p:ext>
+    </p:extLst>
+  </p:cSld>
+  <p:clrMapOvr>
+    <a:masterClrMapping/>
+  </p:clrMapOvr>
+</p:sld>
+</file>
+
+<file path=ppt/slides/slide28.xml><?xml version="1.0" encoding="utf-8"?>
+<p:sld xmlns:a="http://schemas.openxmlformats.org/drawingml/2006/main" xmlns:r="http://schemas.openxmlformats.org/officeDocument/2006/relationships" xmlns:p="http://schemas.openxmlformats.org/presentationml/2006/main">
+  <p:cSld>
+    <p:spTree>
+      <p:nvGrpSpPr>
+        <p:cNvPr id="1" name=""/>
+        <p:cNvGrpSpPr/>
+        <p:nvPr/>
+      </p:nvGrpSpPr>
+      <p:grpSpPr>
+        <a:xfrm>
+          <a:off x="0" y="0"/>
+          <a:ext cx="0" cy="0"/>
+          <a:chOff x="0" y="0"/>
+          <a:chExt cx="0" cy="0"/>
+        </a:xfrm>
+      </p:grpSpPr>
+      <p:sp>
+        <p:nvSpPr>
+          <p:cNvPr id="2" name="제목 1">
+            <a:extLst>
+              <a:ext uri="{FF2B5EF4-FFF2-40B4-BE49-F238E27FC236}">
+                <a16:creationId xmlns:a16="http://schemas.microsoft.com/office/drawing/2014/main" id="{36E46BD5-9BF8-4A36-B399-C907B8D17343}"/>
+              </a:ext>
+            </a:extLst>
+          </p:cNvPr>
+          <p:cNvSpPr>
+            <a:spLocks noGrp="1"/>
+          </p:cNvSpPr>
+          <p:nvPr>
+            <p:ph type="title"/>
+          </p:nvPr>
+        </p:nvSpPr>
+        <p:spPr/>
+        <p:txBody>
+          <a:bodyPr>
+            <a:normAutofit/>
+          </a:bodyPr>
+          <a:lstStyle/>
+          <a:p>
+            <a:r>
+              <a:rPr lang="ko-KR" altLang="en-US" sz="4400" dirty="0">
+                <a:latin typeface="나눔스퀘어" panose="020B0600000101010101" pitchFamily="50" charset="-127"/>
+                <a:ea typeface="나눔스퀘어" panose="020B0600000101010101" pitchFamily="50" charset="-127"/>
+              </a:rPr>
+              <a:t>진행 상황</a:t>
+            </a:r>
+          </a:p>
+        </p:txBody>
+      </p:sp>
+      <p:sp>
+        <p:nvSpPr>
+          <p:cNvPr id="3" name="내용 개체 틀 2">
+            <a:extLst>
+              <a:ext uri="{FF2B5EF4-FFF2-40B4-BE49-F238E27FC236}">
+                <a16:creationId xmlns:a16="http://schemas.microsoft.com/office/drawing/2014/main" id="{CE680D33-7DE6-430A-91B0-F2A3DC91933B}"/>
+              </a:ext>
+            </a:extLst>
+          </p:cNvPr>
+          <p:cNvSpPr>
+            <a:spLocks noGrp="1"/>
+          </p:cNvSpPr>
+          <p:nvPr>
+            <p:ph idx="1"/>
+          </p:nvPr>
+        </p:nvSpPr>
+        <p:spPr/>
+        <p:txBody>
+          <a:bodyPr/>
+          <a:lstStyle/>
+          <a:p>
+            <a:pPr>
+              <a:buFont typeface="Wingdings" panose="05000000000000000000" pitchFamily="2" charset="2"/>
+              <a:buChar char="v"/>
+            </a:pPr>
+            <a:r>
+              <a:rPr lang="en-US" altLang="ko-KR" sz="2400" dirty="0">
+                <a:latin typeface="나눔스퀘어" panose="020B0600000101010101" pitchFamily="50" charset="-127"/>
+                <a:ea typeface="나눔스퀘어" panose="020B0600000101010101" pitchFamily="50" charset="-127"/>
+              </a:rPr>
+              <a:t> </a:t>
+            </a:r>
+            <a:r>
+              <a:rPr lang="ko-KR" altLang="en-US" sz="2400" dirty="0">
+                <a:latin typeface="나눔스퀘어" panose="020B0600000101010101" pitchFamily="50" charset="-127"/>
+                <a:ea typeface="나눔스퀘어" panose="020B0600000101010101" pitchFamily="50" charset="-127"/>
+              </a:rPr>
+              <a:t>열차 조회</a:t>
+            </a:r>
+            <a:r>
+              <a:rPr lang="en-US" altLang="ko-KR" sz="2400" dirty="0">
+                <a:latin typeface="나눔스퀘어" panose="020B0600000101010101" pitchFamily="50" charset="-127"/>
+                <a:ea typeface="나눔스퀘어" panose="020B0600000101010101" pitchFamily="50" charset="-127"/>
+              </a:rPr>
+              <a:t>, </a:t>
+            </a:r>
+            <a:r>
+              <a:rPr lang="ko-KR" altLang="en-US" sz="2400" dirty="0">
+                <a:latin typeface="나눔스퀘어" panose="020B0600000101010101" pitchFamily="50" charset="-127"/>
+                <a:ea typeface="나눔스퀘어" panose="020B0600000101010101" pitchFamily="50" charset="-127"/>
+              </a:rPr>
+              <a:t>승차권 확인 </a:t>
+            </a:r>
+            <a:r>
+              <a:rPr lang="en-US" altLang="ko-KR" sz="2400" dirty="0">
+                <a:latin typeface="나눔스퀘어" panose="020B0600000101010101" pitchFamily="50" charset="-127"/>
+                <a:ea typeface="나눔스퀘어" panose="020B0600000101010101" pitchFamily="50" charset="-127"/>
+              </a:rPr>
+              <a:t>– </a:t>
+            </a:r>
+            <a:r>
+              <a:rPr lang="ko-KR" altLang="en-US" sz="2400" dirty="0">
+                <a:latin typeface="나눔스퀘어" panose="020B0600000101010101" pitchFamily="50" charset="-127"/>
+                <a:ea typeface="나눔스퀘어" panose="020B0600000101010101" pitchFamily="50" charset="-127"/>
+              </a:rPr>
+              <a:t>자동 삭제</a:t>
+            </a:r>
+            <a:endParaRPr lang="en-US" altLang="ko-KR" sz="2400" dirty="0">
+              <a:latin typeface="나눔스퀘어" panose="020B0600000101010101" pitchFamily="50" charset="-127"/>
+              <a:ea typeface="나눔스퀘어" panose="020B0600000101010101" pitchFamily="50" charset="-127"/>
+            </a:endParaRPr>
+          </a:p>
+          <a:p>
+            <a:pPr lvl="1">
+              <a:buFont typeface="Wingdings" panose="05000000000000000000" pitchFamily="2" charset="2"/>
+              <a:buChar char="Ø"/>
+            </a:pPr>
+            <a:r>
+              <a:rPr lang="en-US" altLang="ko-KR" sz="1800" dirty="0">
+                <a:latin typeface="나눔스퀘어" panose="020B0600000101010101" pitchFamily="50" charset="-127"/>
+                <a:ea typeface="나눔스퀘어" panose="020B0600000101010101" pitchFamily="50" charset="-127"/>
+              </a:rPr>
+              <a:t> </a:t>
+            </a:r>
+            <a:r>
+              <a:rPr lang="ko-KR" altLang="en-US" sz="1800" dirty="0">
+                <a:latin typeface="나눔스퀘어" panose="020B0600000101010101" pitchFamily="50" charset="-127"/>
+                <a:ea typeface="나눔스퀘어" panose="020B0600000101010101" pitchFamily="50" charset="-127"/>
+              </a:rPr>
+              <a:t>출발 시간이 지난 열차</a:t>
+            </a:r>
+            <a:r>
+              <a:rPr lang="en-US" altLang="ko-KR" sz="1800" dirty="0">
+                <a:latin typeface="나눔스퀘어" panose="020B0600000101010101" pitchFamily="50" charset="-127"/>
+                <a:ea typeface="나눔스퀘어" panose="020B0600000101010101" pitchFamily="50" charset="-127"/>
+              </a:rPr>
+              <a:t>, </a:t>
+            </a:r>
+            <a:r>
+              <a:rPr lang="ko-KR" altLang="en-US" sz="1800" dirty="0">
+                <a:latin typeface="나눔스퀘어" panose="020B0600000101010101" pitchFamily="50" charset="-127"/>
+                <a:ea typeface="나눔스퀘어" panose="020B0600000101010101" pitchFamily="50" charset="-127"/>
+              </a:rPr>
+              <a:t>도착 시간이 지난 승차권 </a:t>
+            </a:r>
+            <a:r>
+              <a:rPr lang="en-US" altLang="ko-KR" sz="1800" dirty="0">
+                <a:latin typeface="나눔스퀘어" panose="020B0600000101010101" pitchFamily="50" charset="-127"/>
+                <a:ea typeface="나눔스퀘어" panose="020B0600000101010101" pitchFamily="50" charset="-127"/>
+              </a:rPr>
+              <a:t>- </a:t>
+            </a:r>
+            <a:r>
+              <a:rPr lang="ko-KR" altLang="en-US" sz="1800" dirty="0">
+                <a:latin typeface="나눔스퀘어" panose="020B0600000101010101" pitchFamily="50" charset="-127"/>
+                <a:ea typeface="나눔스퀘어" panose="020B0600000101010101" pitchFamily="50" charset="-127"/>
+              </a:rPr>
+              <a:t>삭제</a:t>
+            </a:r>
+            <a:endParaRPr lang="en-US" altLang="ko-KR" sz="1600" dirty="0">
+              <a:latin typeface="나눔스퀘어" panose="020B0600000101010101" pitchFamily="50" charset="-127"/>
+              <a:ea typeface="나눔스퀘어" panose="020B0600000101010101" pitchFamily="50" charset="-127"/>
+            </a:endParaRPr>
+          </a:p>
+        </p:txBody>
+      </p:sp>
+      <p:pic>
+        <p:nvPicPr>
+          <p:cNvPr id="5" name="그림 4">
+            <a:extLst>
+              <a:ext uri="{FF2B5EF4-FFF2-40B4-BE49-F238E27FC236}">
+                <a16:creationId xmlns:a16="http://schemas.microsoft.com/office/drawing/2014/main" id="{2FC64AAB-0739-4A4D-8B3C-8797F2B7E258}"/>
+              </a:ext>
+            </a:extLst>
+          </p:cNvPr>
+          <p:cNvPicPr>
+            <a:picLocks noChangeAspect="1"/>
+          </p:cNvPicPr>
+          <p:nvPr/>
+        </p:nvPicPr>
+        <p:blipFill>
+          <a:blip r:embed="rId2"/>
+          <a:stretch>
+            <a:fillRect/>
+          </a:stretch>
+        </p:blipFill>
+        <p:spPr>
+          <a:xfrm>
+            <a:off x="3721522" y="3203157"/>
+            <a:ext cx="4748956" cy="3337755"/>
+          </a:xfrm>
+          <a:prstGeom prst="rect">
+            <a:avLst/>
+          </a:prstGeom>
+          <a:ln w="12700">
+            <a:solidFill>
+              <a:schemeClr val="tx1"/>
+            </a:solidFill>
+          </a:ln>
+        </p:spPr>
+      </p:pic>
+    </p:spTree>
+    <p:extLst>
+      <p:ext uri="{BB962C8B-B14F-4D97-AF65-F5344CB8AC3E}">
+        <p14:creationId xmlns:p14="http://schemas.microsoft.com/office/powerpoint/2010/main" val="62703503"/>
+      </p:ext>
+    </p:extLst>
+  </p:cSld>
+  <p:clrMapOvr>
+    <a:masterClrMapping/>
+  </p:clrMapOvr>
+</p:sld>
+</file>
+
+<file path=ppt/slides/slide29.xml><?xml version="1.0" encoding="utf-8"?>
+<p:sld xmlns:a="http://schemas.openxmlformats.org/drawingml/2006/main" xmlns:r="http://schemas.openxmlformats.org/officeDocument/2006/relationships" xmlns:p="http://schemas.openxmlformats.org/presentationml/2006/main">
+  <p:cSld>
+    <p:spTree>
+      <p:nvGrpSpPr>
+        <p:cNvPr id="1" name=""/>
+        <p:cNvGrpSpPr/>
+        <p:nvPr/>
+      </p:nvGrpSpPr>
+      <p:grpSpPr>
+        <a:xfrm>
+          <a:off x="0" y="0"/>
+          <a:ext cx="0" cy="0"/>
+          <a:chOff x="0" y="0"/>
+          <a:chExt cx="0" cy="0"/>
+        </a:xfrm>
+      </p:grpSpPr>
+      <p:sp>
+        <p:nvSpPr>
+          <p:cNvPr id="2" name="제목 1">
+            <a:extLst>
+              <a:ext uri="{FF2B5EF4-FFF2-40B4-BE49-F238E27FC236}">
+                <a16:creationId xmlns:a16="http://schemas.microsoft.com/office/drawing/2014/main" id="{36E46BD5-9BF8-4A36-B399-C907B8D17343}"/>
+              </a:ext>
+            </a:extLst>
+          </p:cNvPr>
+          <p:cNvSpPr>
+            <a:spLocks noGrp="1"/>
+          </p:cNvSpPr>
+          <p:nvPr>
+            <p:ph type="title"/>
+          </p:nvPr>
+        </p:nvSpPr>
+        <p:spPr/>
+        <p:txBody>
+          <a:bodyPr>
+            <a:normAutofit/>
+          </a:bodyPr>
+          <a:lstStyle/>
+          <a:p>
+            <a:r>
+              <a:rPr lang="ko-KR" altLang="en-US" sz="4400" dirty="0">
+                <a:latin typeface="나눔스퀘어" panose="020B0600000101010101" pitchFamily="50" charset="-127"/>
+                <a:ea typeface="나눔스퀘어" panose="020B0600000101010101" pitchFamily="50" charset="-127"/>
+              </a:rPr>
+              <a:t>추후 계획</a:t>
+            </a:r>
+          </a:p>
+        </p:txBody>
+      </p:sp>
+      <p:sp>
+        <p:nvSpPr>
+          <p:cNvPr id="11" name="내용 개체 틀 2">
+            <a:extLst>
+              <a:ext uri="{FF2B5EF4-FFF2-40B4-BE49-F238E27FC236}">
+                <a16:creationId xmlns:a16="http://schemas.microsoft.com/office/drawing/2014/main" id="{89C2B0B0-1A9E-4F78-98E9-33B13D248026}"/>
+              </a:ext>
+            </a:extLst>
+          </p:cNvPr>
+          <p:cNvSpPr>
+            <a:spLocks noGrp="1"/>
+          </p:cNvSpPr>
+          <p:nvPr>
+            <p:ph idx="1"/>
+          </p:nvPr>
+        </p:nvSpPr>
+        <p:spPr>
+          <a:xfrm>
+            <a:off x="685800" y="2194560"/>
+            <a:ext cx="10820400" cy="4024125"/>
+          </a:xfrm>
+        </p:spPr>
+        <p:txBody>
+          <a:bodyPr/>
+          <a:lstStyle/>
+          <a:p>
+            <a:pPr>
+              <a:buFont typeface="Wingdings" panose="05000000000000000000" pitchFamily="2" charset="2"/>
+              <a:buChar char="v"/>
+            </a:pPr>
+            <a:endParaRPr lang="en-US" altLang="ko-KR" sz="2400" dirty="0">
+              <a:latin typeface="나눔스퀘어" panose="020B0600000101010101" pitchFamily="50" charset="-127"/>
+              <a:ea typeface="나눔스퀘어" panose="020B0600000101010101" pitchFamily="50" charset="-127"/>
+            </a:endParaRPr>
+          </a:p>
+          <a:p>
+            <a:pPr>
+              <a:buFont typeface="Wingdings" panose="05000000000000000000" pitchFamily="2" charset="2"/>
+              <a:buChar char="v"/>
+            </a:pPr>
+            <a:endParaRPr lang="en-US" altLang="ko-KR" sz="2400" dirty="0">
+              <a:latin typeface="나눔스퀘어" panose="020B0600000101010101" pitchFamily="50" charset="-127"/>
+              <a:ea typeface="나눔스퀘어" panose="020B0600000101010101" pitchFamily="50" charset="-127"/>
+            </a:endParaRPr>
+          </a:p>
+          <a:p>
+            <a:pPr marL="457200" indent="-457200">
+              <a:buFont typeface="+mj-lt"/>
+              <a:buAutoNum type="arabicPeriod"/>
+            </a:pPr>
+            <a:r>
+              <a:rPr lang="en-US" altLang="ko-KR" sz="2400" dirty="0">
+                <a:latin typeface="나눔스퀘어" panose="020B0600000101010101" pitchFamily="50" charset="-127"/>
+                <a:ea typeface="나눔스퀘어" panose="020B0600000101010101" pitchFamily="50" charset="-127"/>
+              </a:rPr>
+              <a:t> </a:t>
+            </a:r>
+            <a:r>
+              <a:rPr lang="ko-KR" altLang="en-US" sz="2400" dirty="0">
+                <a:latin typeface="나눔스퀘어" panose="020B0600000101010101" pitchFamily="50" charset="-127"/>
+                <a:ea typeface="나눔스퀘어" panose="020B0600000101010101" pitchFamily="50" charset="-127"/>
+              </a:rPr>
+              <a:t>요금 방식</a:t>
+            </a:r>
+            <a:endParaRPr lang="en-US" altLang="ko-KR" sz="2400" dirty="0">
+              <a:latin typeface="나눔스퀘어" panose="020B0600000101010101" pitchFamily="50" charset="-127"/>
+              <a:ea typeface="나눔스퀘어" panose="020B0600000101010101" pitchFamily="50" charset="-127"/>
+            </a:endParaRPr>
+          </a:p>
+          <a:p>
+            <a:pPr marL="457200" indent="-457200">
+              <a:buFont typeface="+mj-lt"/>
+              <a:buAutoNum type="arabicPeriod"/>
+            </a:pPr>
+            <a:endParaRPr lang="en-US" altLang="ko-KR" sz="2400" dirty="0">
+              <a:latin typeface="나눔스퀘어" panose="020B0600000101010101" pitchFamily="50" charset="-127"/>
+              <a:ea typeface="나눔스퀘어" panose="020B0600000101010101" pitchFamily="50" charset="-127"/>
+            </a:endParaRPr>
+          </a:p>
+          <a:p>
+            <a:pPr marL="457200" indent="-457200">
+              <a:buFont typeface="+mj-lt"/>
+              <a:buAutoNum type="arabicPeriod"/>
+            </a:pPr>
+            <a:r>
+              <a:rPr lang="en-US" altLang="ko-KR" sz="2400" dirty="0">
+                <a:latin typeface="나눔스퀘어" panose="020B0600000101010101" pitchFamily="50" charset="-127"/>
+                <a:ea typeface="나눔스퀘어" panose="020B0600000101010101" pitchFamily="50" charset="-127"/>
+              </a:rPr>
+              <a:t> </a:t>
+            </a:r>
+            <a:r>
+              <a:rPr lang="ko-KR" altLang="en-US" sz="2400" dirty="0">
+                <a:latin typeface="나눔스퀘어" panose="020B0600000101010101" pitchFamily="50" charset="-127"/>
+                <a:ea typeface="나눔스퀘어" panose="020B0600000101010101" pitchFamily="50" charset="-127"/>
+              </a:rPr>
+              <a:t>정기권 예매</a:t>
+            </a:r>
+            <a:endParaRPr lang="en-US" altLang="ko-KR" sz="2400" dirty="0">
+              <a:latin typeface="나눔스퀘어" panose="020B0600000101010101" pitchFamily="50" charset="-127"/>
+              <a:ea typeface="나눔스퀘어" panose="020B0600000101010101" pitchFamily="50" charset="-127"/>
+            </a:endParaRPr>
+          </a:p>
+          <a:p>
+            <a:pPr marL="457200" indent="-457200">
+              <a:buFont typeface="+mj-lt"/>
+              <a:buAutoNum type="arabicPeriod"/>
+            </a:pPr>
+            <a:endParaRPr lang="en-US" altLang="ko-KR" sz="2400" dirty="0">
+              <a:latin typeface="나눔스퀘어" panose="020B0600000101010101" pitchFamily="50" charset="-127"/>
+              <a:ea typeface="나눔스퀘어" panose="020B0600000101010101" pitchFamily="50" charset="-127"/>
+            </a:endParaRPr>
+          </a:p>
+          <a:p>
+            <a:pPr marL="457200" indent="-457200">
+              <a:buFont typeface="+mj-lt"/>
+              <a:buAutoNum type="arabicPeriod"/>
+            </a:pPr>
+            <a:r>
+              <a:rPr lang="en-US" altLang="ko-KR" sz="2400" dirty="0">
+                <a:latin typeface="나눔스퀘어" panose="020B0600000101010101" pitchFamily="50" charset="-127"/>
+                <a:ea typeface="나눔스퀘어" panose="020B0600000101010101" pitchFamily="50" charset="-127"/>
+              </a:rPr>
+              <a:t> </a:t>
+            </a:r>
+            <a:r>
+              <a:rPr lang="ko-KR" altLang="en-US" sz="2400" dirty="0">
+                <a:latin typeface="나눔스퀘어" panose="020B0600000101010101" pitchFamily="50" charset="-127"/>
+                <a:ea typeface="나눔스퀘어" panose="020B0600000101010101" pitchFamily="50" charset="-127"/>
+              </a:rPr>
+              <a:t>디자인</a:t>
+            </a:r>
+            <a:endParaRPr lang="en-US" altLang="ko-KR" sz="2400" dirty="0">
+              <a:latin typeface="나눔스퀘어" panose="020B0600000101010101" pitchFamily="50" charset="-127"/>
+              <a:ea typeface="나눔스퀘어" panose="020B0600000101010101" pitchFamily="50" charset="-127"/>
+            </a:endParaRPr>
+          </a:p>
+        </p:txBody>
+      </p:sp>
+    </p:spTree>
+    <p:extLst>
+      <p:ext uri="{BB962C8B-B14F-4D97-AF65-F5344CB8AC3E}">
+        <p14:creationId xmlns:p14="http://schemas.microsoft.com/office/powerpoint/2010/main" val="1267723929"/>
+      </p:ext>
+    </p:extLst>
+  </p:cSld>
+  <p:clrMapOvr>
+    <a:masterClrMapping/>
+  </p:clrMapOvr>
+</p:sld>
+</file>
+
+<file path=ppt/slides/slide3.xml><?xml version="1.0" encoding="utf-8"?>
+<p:sld xmlns:a="http://schemas.openxmlformats.org/drawingml/2006/main" xmlns:r="http://schemas.openxmlformats.org/officeDocument/2006/relationships" xmlns:p="http://schemas.openxmlformats.org/presentationml/2006/main">
+  <p:cSld>
+    <p:spTree>
+      <p:nvGrpSpPr>
+        <p:cNvPr id="1" name=""/>
+        <p:cNvGrpSpPr/>
+        <p:nvPr/>
+      </p:nvGrpSpPr>
+      <p:grpSpPr>
+        <a:xfrm>
+          <a:off x="0" y="0"/>
+          <a:ext cx="0" cy="0"/>
+          <a:chOff x="0" y="0"/>
+          <a:chExt cx="0" cy="0"/>
+        </a:xfrm>
+      </p:grpSpPr>
+      <p:sp>
+        <p:nvSpPr>
+          <p:cNvPr id="2" name="제목 1">
+            <a:extLst>
+              <a:ext uri="{FF2B5EF4-FFF2-40B4-BE49-F238E27FC236}">
+                <a16:creationId xmlns:a16="http://schemas.microsoft.com/office/drawing/2014/main" id="{D40C6CE3-F724-47F8-89B5-E4B379394AB1}"/>
+              </a:ext>
+            </a:extLst>
+          </p:cNvPr>
+          <p:cNvSpPr>
+            <a:spLocks noGrp="1"/>
+          </p:cNvSpPr>
+          <p:nvPr>
+            <p:ph type="ctrTitle"/>
+          </p:nvPr>
+        </p:nvSpPr>
+        <p:spPr/>
+        <p:txBody>
+          <a:bodyPr>
+            <a:normAutofit/>
+          </a:bodyPr>
+          <a:lstStyle/>
+          <a:p>
+            <a:r>
+              <a:rPr lang="en-US" altLang="ko-KR" sz="5400" dirty="0"/>
+              <a:t>1 </a:t>
+            </a:r>
+            <a:r>
+              <a:rPr lang="ko-KR" altLang="en-US" sz="5400" dirty="0"/>
+              <a:t>주차</a:t>
+            </a:r>
+          </a:p>
+        </p:txBody>
+      </p:sp>
+      <p:sp>
+        <p:nvSpPr>
+          <p:cNvPr id="3" name="부제목 2">
+            <a:extLst>
+              <a:ext uri="{FF2B5EF4-FFF2-40B4-BE49-F238E27FC236}">
+                <a16:creationId xmlns:a16="http://schemas.microsoft.com/office/drawing/2014/main" id="{E008D253-F6DC-4039-A6A5-957CF1CA268C}"/>
+              </a:ext>
+            </a:extLst>
+          </p:cNvPr>
+          <p:cNvSpPr>
+            <a:spLocks noGrp="1"/>
+          </p:cNvSpPr>
+          <p:nvPr>
+            <p:ph type="subTitle" idx="1"/>
+          </p:nvPr>
+        </p:nvSpPr>
+        <p:spPr>
+          <a:xfrm>
+            <a:off x="2213263" y="3803073"/>
+            <a:ext cx="9227921" cy="1498768"/>
+          </a:xfrm>
+        </p:spPr>
+        <p:txBody>
+          <a:bodyPr>
+            <a:normAutofit/>
+          </a:bodyPr>
+          <a:lstStyle/>
+          <a:p>
+            <a:endParaRPr lang="en-US" altLang="ko-KR" dirty="0">
+              <a:latin typeface="나눔스퀘어" panose="020B0600000101010101" pitchFamily="50" charset="-127"/>
+              <a:ea typeface="나눔스퀘어" panose="020B0600000101010101" pitchFamily="50" charset="-127"/>
+            </a:endParaRPr>
+          </a:p>
+        </p:txBody>
+      </p:sp>
+    </p:spTree>
+    <p:extLst>
+      <p:ext uri="{BB962C8B-B14F-4D97-AF65-F5344CB8AC3E}">
+        <p14:creationId xmlns:p14="http://schemas.microsoft.com/office/powerpoint/2010/main" val="1627239096"/>
+      </p:ext>
+    </p:extLst>
+  </p:cSld>
+  <p:clrMapOvr>
+    <a:masterClrMapping/>
+  </p:clrMapOvr>
+</p:sld>
+</file>
+
+<file path=ppt/slides/slide30.xml><?xml version="1.0" encoding="utf-8"?>
+<p:sld xmlns:a="http://schemas.openxmlformats.org/drawingml/2006/main" xmlns:r="http://schemas.openxmlformats.org/officeDocument/2006/relationships" xmlns:p="http://schemas.openxmlformats.org/presentationml/2006/main">
+  <p:cSld>
+    <p:spTree>
+      <p:nvGrpSpPr>
+        <p:cNvPr id="1" name=""/>
+        <p:cNvGrpSpPr/>
+        <p:nvPr/>
+      </p:nvGrpSpPr>
+      <p:grpSpPr>
+        <a:xfrm>
+          <a:off x="0" y="0"/>
+          <a:ext cx="0" cy="0"/>
+          <a:chOff x="0" y="0"/>
+          <a:chExt cx="0" cy="0"/>
+        </a:xfrm>
+      </p:grpSpPr>
+      <p:sp>
+        <p:nvSpPr>
+          <p:cNvPr id="2" name="제목 1">
+            <a:extLst>
+              <a:ext uri="{FF2B5EF4-FFF2-40B4-BE49-F238E27FC236}">
                 <a16:creationId xmlns:a16="http://schemas.microsoft.com/office/drawing/2014/main" id="{36E46BD5-9BF8-4A36-B399-C907B8D17343}"/>
               </a:ext>
             </a:extLst>
@@ -7157,7 +10684,7 @@
           <p:nvPr>
             <p:extLst>
               <p:ext uri="{D42A27DB-BD31-4B8C-83A1-F6EECF244321}">
-                <p14:modId xmlns:p14="http://schemas.microsoft.com/office/powerpoint/2010/main" val="1420587937"/>
+                <p14:modId xmlns:p14="http://schemas.microsoft.com/office/powerpoint/2010/main" val="3673223119"/>
               </p:ext>
             </p:extLst>
           </p:nvPr>
@@ -7227,7 +10754,7 @@
                     </a:p>
                   </a:txBody>
                   <a:tcPr anchor="ctr">
-                    <a:lnL w="28575" cap="flat" cmpd="sng" algn="ctr">
+                    <a:lnL w="19050" cap="flat" cmpd="sng" algn="ctr">
                       <a:solidFill>
                         <a:schemeClr val="tx1"/>
                       </a:solidFill>
@@ -7236,7 +10763,7 @@
                       <a:headEnd type="none" w="med" len="med"/>
                       <a:tailEnd type="none" w="med" len="med"/>
                     </a:lnL>
-                    <a:lnT w="28575" cap="flat" cmpd="sng" algn="ctr">
+                    <a:lnT w="19050" cap="flat" cmpd="sng" algn="ctr">
                       <a:solidFill>
                         <a:schemeClr val="tx1"/>
                       </a:solidFill>
@@ -7264,7 +10791,7 @@
                     </a:p>
                   </a:txBody>
                   <a:tcPr anchor="ctr">
-                    <a:lnT w="28575" cap="flat" cmpd="sng" algn="ctr">
+                    <a:lnT w="19050" cap="flat" cmpd="sng" algn="ctr">
                       <a:solidFill>
                         <a:schemeClr val="tx1"/>
                       </a:solidFill>
@@ -7299,7 +10826,42 @@
                     </a:p>
                   </a:txBody>
                   <a:tcPr anchor="ctr">
-                    <a:lnT w="28575" cap="flat" cmpd="sng" algn="ctr">
+                    <a:lnT w="19050" cap="flat" cmpd="sng" algn="ctr">
+                      <a:solidFill>
+                        <a:schemeClr val="tx1"/>
+                      </a:solidFill>
+                      <a:prstDash val="solid"/>
+                      <a:round/>
+                      <a:headEnd type="none" w="med" len="med"/>
+                      <a:tailEnd type="none" w="med" len="med"/>
+                    </a:lnT>
+                  </a:tcPr>
+                </a:tc>
+                <a:tc>
+                  <a:txBody>
+                    <a:bodyPr/>
+                    <a:lstStyle/>
+                    <a:p>
+                      <a:pPr algn="ctr" latinLnBrk="1"/>
+                      <a:r>
+                        <a:rPr lang="en-US" altLang="ko-KR" b="0" dirty="0">
+                          <a:solidFill>
+                            <a:schemeClr val="bg1"/>
+                          </a:solidFill>
+                        </a:rPr>
+                        <a:t>3</a:t>
+                      </a:r>
+                      <a:endParaRPr lang="ko-KR" altLang="en-US" b="0" dirty="0">
+                        <a:solidFill>
+                          <a:schemeClr val="bg1"/>
+                        </a:solidFill>
+                        <a:latin typeface="나눔스퀘어 Bold" panose="020B0600000101010101" pitchFamily="50" charset="-127"/>
+                        <a:ea typeface="나눔스퀘어 Bold" panose="020B0600000101010101" pitchFamily="50" charset="-127"/>
+                      </a:endParaRPr>
+                    </a:p>
+                  </a:txBody>
+                  <a:tcPr anchor="ctr">
+                    <a:lnT w="19050" cap="flat" cmpd="sng" algn="ctr">
                       <a:solidFill>
                         <a:schemeClr val="tx1"/>
                       </a:solidFill>
@@ -7322,7 +10884,7 @@
                             <a:schemeClr val="tx1"/>
                           </a:solidFill>
                         </a:rPr>
-                        <a:t>3</a:t>
+                        <a:t>4</a:t>
                       </a:r>
                       <a:endParaRPr lang="ko-KR" altLang="en-US" b="0" dirty="0">
                         <a:solidFill>
@@ -7334,7 +10896,16 @@
                     </a:p>
                   </a:txBody>
                   <a:tcPr anchor="ctr">
-                    <a:lnT w="28575" cap="flat" cmpd="sng" algn="ctr">
+                    <a:lnR w="19050" cap="flat" cmpd="sng" algn="ctr">
+                      <a:solidFill>
+                        <a:schemeClr val="tx1"/>
+                      </a:solidFill>
+                      <a:prstDash val="solid"/>
+                      <a:round/>
+                      <a:headEnd type="none" w="med" len="med"/>
+                      <a:tailEnd type="none" w="med" len="med"/>
+                    </a:lnR>
+                    <a:lnT w="19050" cap="flat" cmpd="sng" algn="ctr">
                       <a:solidFill>
                         <a:schemeClr val="tx1"/>
                       </a:solidFill>
@@ -7346,43 +10917,6 @@
                     <a:solidFill>
                       <a:srgbClr val="FFC000"/>
                     </a:solidFill>
-                  </a:tcPr>
-                </a:tc>
-                <a:tc>
-                  <a:txBody>
-                    <a:bodyPr/>
-                    <a:lstStyle/>
-                    <a:p>
-                      <a:pPr algn="ctr" latinLnBrk="1"/>
-                      <a:r>
-                        <a:rPr lang="en-US" altLang="ko-KR" b="0" dirty="0"/>
-                        <a:t>4</a:t>
-                      </a:r>
-                      <a:endParaRPr lang="ko-KR" altLang="en-US" b="0" dirty="0">
-                        <a:latin typeface="나눔스퀘어 Bold" panose="020B0600000101010101" pitchFamily="50" charset="-127"/>
-                        <a:ea typeface="나눔스퀘어 Bold" panose="020B0600000101010101" pitchFamily="50" charset="-127"/>
-                      </a:endParaRPr>
-                    </a:p>
-                  </a:txBody>
-                  <a:tcPr anchor="ctr">
-                    <a:lnR w="28575" cap="flat" cmpd="sng" algn="ctr">
-                      <a:solidFill>
-                        <a:schemeClr val="tx1"/>
-                      </a:solidFill>
-                      <a:prstDash val="solid"/>
-                      <a:round/>
-                      <a:headEnd type="none" w="med" len="med"/>
-                      <a:tailEnd type="none" w="med" len="med"/>
-                    </a:lnR>
-                    <a:lnT w="28575" cap="flat" cmpd="sng" algn="ctr">
-                      <a:solidFill>
-                        <a:schemeClr val="tx1"/>
-                      </a:solidFill>
-                      <a:prstDash val="solid"/>
-                      <a:round/>
-                      <a:headEnd type="none" w="med" len="med"/>
-                      <a:tailEnd type="none" w="med" len="med"/>
-                    </a:lnT>
                   </a:tcPr>
                 </a:tc>
                 <a:extLst>
@@ -7413,7 +10947,7 @@
                     </a:p>
                   </a:txBody>
                   <a:tcPr anchor="ctr">
-                    <a:lnL w="28575" cap="flat" cmpd="sng" algn="ctr">
+                    <a:lnL w="19050" cap="flat" cmpd="sng" algn="ctr">
                       <a:solidFill>
                         <a:schemeClr val="tx1"/>
                       </a:solidFill>
@@ -7464,11 +10998,7 @@
                       </a:endParaRPr>
                     </a:p>
                   </a:txBody>
-                  <a:tcPr anchor="ctr">
-                    <a:solidFill>
-                      <a:srgbClr val="FFC000"/>
-                    </a:solidFill>
-                  </a:tcPr>
+                  <a:tcPr anchor="ctr"/>
                 </a:tc>
                 <a:tc>
                   <a:txBody>
@@ -7483,7 +11013,7 @@
                     </a:p>
                   </a:txBody>
                   <a:tcPr anchor="ctr">
-                    <a:lnR w="28575" cap="flat" cmpd="sng" algn="ctr">
+                    <a:lnR w="19050" cap="flat" cmpd="sng" algn="ctr">
                       <a:solidFill>
                         <a:schemeClr val="tx1"/>
                       </a:solidFill>
@@ -7492,6 +11022,9 @@
                       <a:headEnd type="none" w="med" len="med"/>
                       <a:tailEnd type="none" w="med" len="med"/>
                     </a:lnR>
+                    <a:solidFill>
+                      <a:srgbClr val="FFC000"/>
+                    </a:solidFill>
                   </a:tcPr>
                 </a:tc>
                 <a:extLst>
@@ -7518,7 +11051,7 @@
                     </a:p>
                   </a:txBody>
                   <a:tcPr anchor="ctr">
-                    <a:lnL w="28575" cap="flat" cmpd="sng" algn="ctr">
+                    <a:lnL w="19050" cap="flat" cmpd="sng" algn="ctr">
                       <a:solidFill>
                         <a:schemeClr val="tx1"/>
                       </a:solidFill>
@@ -7569,11 +11102,7 @@
                       </a:endParaRPr>
                     </a:p>
                   </a:txBody>
-                  <a:tcPr anchor="ctr">
-                    <a:solidFill>
-                      <a:srgbClr val="FFC000"/>
-                    </a:solidFill>
-                  </a:tcPr>
+                  <a:tcPr anchor="ctr"/>
                 </a:tc>
                 <a:tc>
                   <a:txBody>
@@ -7588,7 +11117,7 @@
                     </a:p>
                   </a:txBody>
                   <a:tcPr anchor="ctr">
-                    <a:lnR w="28575" cap="flat" cmpd="sng" algn="ctr">
+                    <a:lnR w="19050" cap="flat" cmpd="sng" algn="ctr">
                       <a:solidFill>
                         <a:schemeClr val="tx1"/>
                       </a:solidFill>
@@ -7597,6 +11126,9 @@
                       <a:headEnd type="none" w="med" len="med"/>
                       <a:tailEnd type="none" w="med" len="med"/>
                     </a:lnR>
+                    <a:solidFill>
+                      <a:srgbClr val="FFC000"/>
+                    </a:solidFill>
                   </a:tcPr>
                 </a:tc>
                 <a:extLst>
@@ -7623,7 +11155,7 @@
                     </a:p>
                   </a:txBody>
                   <a:tcPr anchor="ctr">
-                    <a:lnL w="28575" cap="flat" cmpd="sng" algn="ctr">
+                    <a:lnL w="19050" cap="flat" cmpd="sng" algn="ctr">
                       <a:solidFill>
                         <a:schemeClr val="tx1"/>
                       </a:solidFill>
@@ -7674,11 +11206,7 @@
                       </a:endParaRPr>
                     </a:p>
                   </a:txBody>
-                  <a:tcPr anchor="ctr">
-                    <a:solidFill>
-                      <a:srgbClr val="FFC000"/>
-                    </a:solidFill>
-                  </a:tcPr>
+                  <a:tcPr anchor="ctr"/>
                 </a:tc>
                 <a:tc>
                   <a:txBody>
@@ -7693,7 +11221,7 @@
                     </a:p>
                   </a:txBody>
                   <a:tcPr anchor="ctr">
-                    <a:lnR w="28575" cap="flat" cmpd="sng" algn="ctr">
+                    <a:lnR w="19050" cap="flat" cmpd="sng" algn="ctr">
                       <a:solidFill>
                         <a:schemeClr val="tx1"/>
                       </a:solidFill>
@@ -7702,6 +11230,9 @@
                       <a:headEnd type="none" w="med" len="med"/>
                       <a:tailEnd type="none" w="med" len="med"/>
                     </a:lnR>
+                    <a:solidFill>
+                      <a:srgbClr val="FFC000"/>
+                    </a:solidFill>
                   </a:tcPr>
                 </a:tc>
                 <a:extLst>
@@ -7728,7 +11259,7 @@
                     </a:p>
                   </a:txBody>
                   <a:tcPr anchor="ctr">
-                    <a:lnL w="28575" cap="flat" cmpd="sng" algn="ctr">
+                    <a:lnL w="19050" cap="flat" cmpd="sng" algn="ctr">
                       <a:solidFill>
                         <a:schemeClr val="tx1"/>
                       </a:solidFill>
@@ -7779,11 +11310,7 @@
                       </a:endParaRPr>
                     </a:p>
                   </a:txBody>
-                  <a:tcPr anchor="ctr">
-                    <a:solidFill>
-                      <a:srgbClr val="FFC000"/>
-                    </a:solidFill>
-                  </a:tcPr>
+                  <a:tcPr anchor="ctr"/>
                 </a:tc>
                 <a:tc>
                   <a:txBody>
@@ -7798,7 +11325,7 @@
                     </a:p>
                   </a:txBody>
                   <a:tcPr anchor="ctr">
-                    <a:lnR w="28575" cap="flat" cmpd="sng" algn="ctr">
+                    <a:lnR w="19050" cap="flat" cmpd="sng" algn="ctr">
                       <a:solidFill>
                         <a:schemeClr val="tx1"/>
                       </a:solidFill>
@@ -7807,6 +11334,9 @@
                       <a:headEnd type="none" w="med" len="med"/>
                       <a:tailEnd type="none" w="med" len="med"/>
                     </a:lnR>
+                    <a:solidFill>
+                      <a:srgbClr val="FFC000"/>
+                    </a:solidFill>
                   </a:tcPr>
                 </a:tc>
                 <a:extLst>
@@ -7833,7 +11363,7 @@
                     </a:p>
                   </a:txBody>
                   <a:tcPr anchor="ctr">
-                    <a:lnL w="28575" cap="flat" cmpd="sng" algn="ctr">
+                    <a:lnL w="19050" cap="flat" cmpd="sng" algn="ctr">
                       <a:solidFill>
                         <a:schemeClr val="tx1"/>
                       </a:solidFill>
@@ -7842,7 +11372,7 @@
                       <a:headEnd type="none" w="med" len="med"/>
                       <a:tailEnd type="none" w="med" len="med"/>
                     </a:lnL>
-                    <a:lnB w="28575" cap="flat" cmpd="sng" algn="ctr">
+                    <a:lnB w="19050" cap="flat" cmpd="sng" algn="ctr">
                       <a:solidFill>
                         <a:schemeClr val="tx1"/>
                       </a:solidFill>
@@ -7866,7 +11396,7 @@
                     </a:p>
                   </a:txBody>
                   <a:tcPr anchor="ctr">
-                    <a:lnB w="28575" cap="flat" cmpd="sng" algn="ctr">
+                    <a:lnB w="19050" cap="flat" cmpd="sng" algn="ctr">
                       <a:solidFill>
                         <a:schemeClr val="tx1"/>
                       </a:solidFill>
@@ -7890,7 +11420,7 @@
                     </a:p>
                   </a:txBody>
                   <a:tcPr anchor="ctr">
-                    <a:lnB w="28575" cap="flat" cmpd="sng" algn="ctr">
+                    <a:lnB w="19050" cap="flat" cmpd="sng" algn="ctr">
                       <a:solidFill>
                         <a:schemeClr val="tx1"/>
                       </a:solidFill>
@@ -7914,7 +11444,7 @@
                     </a:p>
                   </a:txBody>
                   <a:tcPr anchor="ctr">
-                    <a:lnB w="28575" cap="flat" cmpd="sng" algn="ctr">
+                    <a:lnB w="19050" cap="flat" cmpd="sng" algn="ctr">
                       <a:solidFill>
                         <a:schemeClr val="tx1"/>
                       </a:solidFill>
@@ -7923,9 +11453,6 @@
                       <a:headEnd type="none" w="med" len="med"/>
                       <a:tailEnd type="none" w="med" len="med"/>
                     </a:lnB>
-                    <a:solidFill>
-                      <a:srgbClr val="FFC000"/>
-                    </a:solidFill>
                   </a:tcPr>
                 </a:tc>
                 <a:tc>
@@ -7941,7 +11468,7 @@
                     </a:p>
                   </a:txBody>
                   <a:tcPr anchor="ctr">
-                    <a:lnR w="28575" cap="flat" cmpd="sng" algn="ctr">
+                    <a:lnR w="19050" cap="flat" cmpd="sng" algn="ctr">
                       <a:solidFill>
                         <a:schemeClr val="tx1"/>
                       </a:solidFill>
@@ -7950,7 +11477,7 @@
                       <a:headEnd type="none" w="med" len="med"/>
                       <a:tailEnd type="none" w="med" len="med"/>
                     </a:lnR>
-                    <a:lnB w="28575" cap="flat" cmpd="sng" algn="ctr">
+                    <a:lnB w="19050" cap="flat" cmpd="sng" algn="ctr">
                       <a:solidFill>
                         <a:schemeClr val="tx1"/>
                       </a:solidFill>
@@ -7959,6 +11486,9 @@
                       <a:headEnd type="none" w="med" len="med"/>
                       <a:tailEnd type="none" w="med" len="med"/>
                     </a:lnB>
+                    <a:solidFill>
+                      <a:srgbClr val="FFC000"/>
+                    </a:solidFill>
                   </a:tcPr>
                 </a:tc>
                 <a:extLst>
@@ -8204,259 +11734,7 @@
     </p:spTree>
     <p:extLst>
       <p:ext uri="{BB962C8B-B14F-4D97-AF65-F5344CB8AC3E}">
-        <p14:creationId xmlns:p14="http://schemas.microsoft.com/office/powerpoint/2010/main" val="1267723929"/>
-      </p:ext>
-    </p:extLst>
-  </p:cSld>
-  <p:clrMapOvr>
-    <a:masterClrMapping/>
-  </p:clrMapOvr>
-</p:sld>
-</file>
-
-<file path=ppt/slides/slide2.xml><?xml version="1.0" encoding="utf-8"?>
-<p:sld xmlns:a="http://schemas.openxmlformats.org/drawingml/2006/main" xmlns:r="http://schemas.openxmlformats.org/officeDocument/2006/relationships" xmlns:p="http://schemas.openxmlformats.org/presentationml/2006/main">
-  <p:cSld>
-    <p:spTree>
-      <p:nvGrpSpPr>
-        <p:cNvPr id="1" name=""/>
-        <p:cNvGrpSpPr/>
-        <p:nvPr/>
-      </p:nvGrpSpPr>
-      <p:grpSpPr>
-        <a:xfrm>
-          <a:off x="0" y="0"/>
-          <a:ext cx="0" cy="0"/>
-          <a:chOff x="0" y="0"/>
-          <a:chExt cx="0" cy="0"/>
-        </a:xfrm>
-      </p:grpSpPr>
-      <p:sp>
-        <p:nvSpPr>
-          <p:cNvPr id="2" name="제목 1">
-            <a:extLst>
-              <a:ext uri="{FF2B5EF4-FFF2-40B4-BE49-F238E27FC236}">
-                <a16:creationId xmlns:a16="http://schemas.microsoft.com/office/drawing/2014/main" id="{36E46BD5-9BF8-4A36-B399-C907B8D17343}"/>
-              </a:ext>
-            </a:extLst>
-          </p:cNvPr>
-          <p:cNvSpPr>
-            <a:spLocks noGrp="1"/>
-          </p:cNvSpPr>
-          <p:nvPr>
-            <p:ph type="title"/>
-          </p:nvPr>
-        </p:nvSpPr>
-        <p:spPr/>
-        <p:txBody>
-          <a:bodyPr>
-            <a:normAutofit/>
-          </a:bodyPr>
-          <a:lstStyle/>
-          <a:p>
-            <a:r>
-              <a:rPr lang="ko-KR" altLang="en-US" sz="4400" dirty="0">
-                <a:latin typeface="나눔스퀘어" panose="020B0600000101010101" pitchFamily="50" charset="-127"/>
-                <a:ea typeface="나눔스퀘어" panose="020B0600000101010101" pitchFamily="50" charset="-127"/>
-              </a:rPr>
-              <a:t>목차</a:t>
-            </a:r>
-          </a:p>
-        </p:txBody>
-      </p:sp>
-      <p:sp>
-        <p:nvSpPr>
-          <p:cNvPr id="3" name="내용 개체 틀 2">
-            <a:extLst>
-              <a:ext uri="{FF2B5EF4-FFF2-40B4-BE49-F238E27FC236}">
-                <a16:creationId xmlns:a16="http://schemas.microsoft.com/office/drawing/2014/main" id="{CE680D33-7DE6-430A-91B0-F2A3DC91933B}"/>
-              </a:ext>
-            </a:extLst>
-          </p:cNvPr>
-          <p:cNvSpPr>
-            <a:spLocks noGrp="1"/>
-          </p:cNvSpPr>
-          <p:nvPr>
-            <p:ph idx="1"/>
-          </p:nvPr>
-        </p:nvSpPr>
-        <p:spPr/>
-        <p:txBody>
-          <a:bodyPr/>
-          <a:lstStyle/>
-          <a:p>
-            <a:pPr>
-              <a:buFont typeface="Wingdings" panose="05000000000000000000" pitchFamily="2" charset="2"/>
-              <a:buChar char="v"/>
-            </a:pPr>
-            <a:endParaRPr lang="en-US" altLang="ko-KR" sz="1400" dirty="0">
-              <a:latin typeface="나눔스퀘어" panose="020B0600000101010101" pitchFamily="50" charset="-127"/>
-              <a:ea typeface="나눔스퀘어" panose="020B0600000101010101" pitchFamily="50" charset="-127"/>
-            </a:endParaRPr>
-          </a:p>
-          <a:p>
-            <a:pPr>
-              <a:buFont typeface="Wingdings" panose="05000000000000000000" pitchFamily="2" charset="2"/>
-              <a:buChar char="v"/>
-            </a:pPr>
-            <a:r>
-              <a:rPr lang="en-US" altLang="ko-KR" sz="2400" dirty="0">
-                <a:latin typeface="나눔스퀘어" panose="020B0600000101010101" pitchFamily="50" charset="-127"/>
-                <a:ea typeface="나눔스퀘어" panose="020B0600000101010101" pitchFamily="50" charset="-127"/>
-              </a:rPr>
-              <a:t> 1 </a:t>
-            </a:r>
-            <a:r>
-              <a:rPr lang="ko-KR" altLang="en-US" sz="2400" dirty="0">
-                <a:latin typeface="나눔스퀘어" panose="020B0600000101010101" pitchFamily="50" charset="-127"/>
-                <a:ea typeface="나눔스퀘어" panose="020B0600000101010101" pitchFamily="50" charset="-127"/>
-              </a:rPr>
-              <a:t>주차</a:t>
-            </a:r>
-            <a:endParaRPr lang="en-US" altLang="ko-KR" sz="2400" dirty="0">
-              <a:latin typeface="나눔스퀘어" panose="020B0600000101010101" pitchFamily="50" charset="-127"/>
-              <a:ea typeface="나눔스퀘어" panose="020B0600000101010101" pitchFamily="50" charset="-127"/>
-            </a:endParaRPr>
-          </a:p>
-          <a:p>
-            <a:pPr>
-              <a:buFont typeface="Wingdings" panose="05000000000000000000" pitchFamily="2" charset="2"/>
-              <a:buChar char="v"/>
-            </a:pPr>
-            <a:endParaRPr lang="en-US" altLang="ko-KR" sz="2400" dirty="0">
-              <a:latin typeface="나눔스퀘어" panose="020B0600000101010101" pitchFamily="50" charset="-127"/>
-              <a:ea typeface="나눔스퀘어" panose="020B0600000101010101" pitchFamily="50" charset="-127"/>
-            </a:endParaRPr>
-          </a:p>
-          <a:p>
-            <a:pPr>
-              <a:buFont typeface="Wingdings" panose="05000000000000000000" pitchFamily="2" charset="2"/>
-              <a:buChar char="v"/>
-            </a:pPr>
-            <a:r>
-              <a:rPr lang="en-US" altLang="ko-KR" sz="2400" dirty="0">
-                <a:latin typeface="나눔스퀘어" panose="020B0600000101010101" pitchFamily="50" charset="-127"/>
-                <a:ea typeface="나눔스퀘어" panose="020B0600000101010101" pitchFamily="50" charset="-127"/>
-              </a:rPr>
-              <a:t> 2 </a:t>
-            </a:r>
-            <a:r>
-              <a:rPr lang="ko-KR" altLang="en-US" sz="2400" dirty="0">
-                <a:latin typeface="나눔스퀘어" panose="020B0600000101010101" pitchFamily="50" charset="-127"/>
-                <a:ea typeface="나눔스퀘어" panose="020B0600000101010101" pitchFamily="50" charset="-127"/>
-              </a:rPr>
-              <a:t>주차</a:t>
-            </a:r>
-            <a:endParaRPr lang="en-US" altLang="ko-KR" sz="2400" dirty="0">
-              <a:latin typeface="나눔스퀘어" panose="020B0600000101010101" pitchFamily="50" charset="-127"/>
-              <a:ea typeface="나눔스퀘어" panose="020B0600000101010101" pitchFamily="50" charset="-127"/>
-            </a:endParaRPr>
-          </a:p>
-        </p:txBody>
-      </p:sp>
-    </p:spTree>
-    <p:extLst>
-      <p:ext uri="{BB962C8B-B14F-4D97-AF65-F5344CB8AC3E}">
-        <p14:creationId xmlns:p14="http://schemas.microsoft.com/office/powerpoint/2010/main" val="3004168847"/>
-      </p:ext>
-    </p:extLst>
-  </p:cSld>
-  <p:clrMapOvr>
-    <a:masterClrMapping/>
-  </p:clrMapOvr>
-</p:sld>
-</file>
-
-<file path=ppt/slides/slide3.xml><?xml version="1.0" encoding="utf-8"?>
-<p:sld xmlns:a="http://schemas.openxmlformats.org/drawingml/2006/main" xmlns:r="http://schemas.openxmlformats.org/officeDocument/2006/relationships" xmlns:p="http://schemas.openxmlformats.org/presentationml/2006/main">
-  <p:cSld>
-    <p:spTree>
-      <p:nvGrpSpPr>
-        <p:cNvPr id="1" name=""/>
-        <p:cNvGrpSpPr/>
-        <p:nvPr/>
-      </p:nvGrpSpPr>
-      <p:grpSpPr>
-        <a:xfrm>
-          <a:off x="0" y="0"/>
-          <a:ext cx="0" cy="0"/>
-          <a:chOff x="0" y="0"/>
-          <a:chExt cx="0" cy="0"/>
-        </a:xfrm>
-      </p:grpSpPr>
-      <p:sp>
-        <p:nvSpPr>
-          <p:cNvPr id="2" name="제목 1">
-            <a:extLst>
-              <a:ext uri="{FF2B5EF4-FFF2-40B4-BE49-F238E27FC236}">
-                <a16:creationId xmlns:a16="http://schemas.microsoft.com/office/drawing/2014/main" id="{D40C6CE3-F724-47F8-89B5-E4B379394AB1}"/>
-              </a:ext>
-            </a:extLst>
-          </p:cNvPr>
-          <p:cNvSpPr>
-            <a:spLocks noGrp="1"/>
-          </p:cNvSpPr>
-          <p:nvPr>
-            <p:ph type="ctrTitle"/>
-          </p:nvPr>
-        </p:nvSpPr>
-        <p:spPr/>
-        <p:txBody>
-          <a:bodyPr>
-            <a:normAutofit/>
-          </a:bodyPr>
-          <a:lstStyle/>
-          <a:p>
-            <a:r>
-              <a:rPr lang="en-US" altLang="ko-KR" sz="5400" dirty="0"/>
-              <a:t>1 </a:t>
-            </a:r>
-            <a:r>
-              <a:rPr lang="ko-KR" altLang="en-US" sz="5400" dirty="0"/>
-              <a:t>주차</a:t>
-            </a:r>
-          </a:p>
-        </p:txBody>
-      </p:sp>
-      <p:sp>
-        <p:nvSpPr>
-          <p:cNvPr id="3" name="부제목 2">
-            <a:extLst>
-              <a:ext uri="{FF2B5EF4-FFF2-40B4-BE49-F238E27FC236}">
-                <a16:creationId xmlns:a16="http://schemas.microsoft.com/office/drawing/2014/main" id="{E008D253-F6DC-4039-A6A5-957CF1CA268C}"/>
-              </a:ext>
-            </a:extLst>
-          </p:cNvPr>
-          <p:cNvSpPr>
-            <a:spLocks noGrp="1"/>
-          </p:cNvSpPr>
-          <p:nvPr>
-            <p:ph type="subTitle" idx="1"/>
-          </p:nvPr>
-        </p:nvSpPr>
-        <p:spPr>
-          <a:xfrm>
-            <a:off x="2213263" y="3803073"/>
-            <a:ext cx="9227921" cy="1498768"/>
-          </a:xfrm>
-        </p:spPr>
-        <p:txBody>
-          <a:bodyPr>
-            <a:normAutofit/>
-          </a:bodyPr>
-          <a:lstStyle/>
-          <a:p>
-            <a:endParaRPr lang="en-US" altLang="ko-KR" dirty="0">
-              <a:latin typeface="나눔스퀘어" panose="020B0600000101010101" pitchFamily="50" charset="-127"/>
-              <a:ea typeface="나눔스퀘어" panose="020B0600000101010101" pitchFamily="50" charset="-127"/>
-            </a:endParaRPr>
-          </a:p>
-        </p:txBody>
-      </p:sp>
-    </p:spTree>
-    <p:extLst>
-      <p:ext uri="{BB962C8B-B14F-4D97-AF65-F5344CB8AC3E}">
-        <p14:creationId xmlns:p14="http://schemas.microsoft.com/office/powerpoint/2010/main" val="1627239096"/>
+        <p14:creationId xmlns:p14="http://schemas.microsoft.com/office/powerpoint/2010/main" val="1183916359"/>
       </p:ext>
     </p:extLst>
   </p:cSld>
